--- a/Lecture/Lecture6_If_Else.pptx
+++ b/Lecture/Lecture6_If_Else.pptx
@@ -5,28 +5,30 @@
     <p:sldMasterId id="2147483843" r:id="rId1"/>
   </p:sldMasterIdLst>
   <p:notesMasterIdLst>
-    <p:notesMasterId r:id="rId21"/>
+    <p:notesMasterId r:id="rId23"/>
   </p:notesMasterIdLst>
   <p:sldIdLst>
     <p:sldId id="256" r:id="rId2"/>
     <p:sldId id="257" r:id="rId3"/>
-    <p:sldId id="292" r:id="rId4"/>
-    <p:sldId id="294" r:id="rId5"/>
-    <p:sldId id="296" r:id="rId6"/>
-    <p:sldId id="312" r:id="rId7"/>
-    <p:sldId id="313" r:id="rId8"/>
-    <p:sldId id="314" r:id="rId9"/>
-    <p:sldId id="315" r:id="rId10"/>
-    <p:sldId id="316" r:id="rId11"/>
-    <p:sldId id="317" r:id="rId12"/>
-    <p:sldId id="318" r:id="rId13"/>
-    <p:sldId id="319" r:id="rId14"/>
-    <p:sldId id="320" r:id="rId15"/>
-    <p:sldId id="321" r:id="rId16"/>
-    <p:sldId id="322" r:id="rId17"/>
-    <p:sldId id="323" r:id="rId18"/>
-    <p:sldId id="278" r:id="rId19"/>
-    <p:sldId id="281" r:id="rId20"/>
+    <p:sldId id="324" r:id="rId4"/>
+    <p:sldId id="292" r:id="rId5"/>
+    <p:sldId id="326" r:id="rId6"/>
+    <p:sldId id="294" r:id="rId7"/>
+    <p:sldId id="296" r:id="rId8"/>
+    <p:sldId id="327" r:id="rId9"/>
+    <p:sldId id="325" r:id="rId10"/>
+    <p:sldId id="314" r:id="rId11"/>
+    <p:sldId id="315" r:id="rId12"/>
+    <p:sldId id="317" r:id="rId13"/>
+    <p:sldId id="318" r:id="rId14"/>
+    <p:sldId id="319" r:id="rId15"/>
+    <p:sldId id="320" r:id="rId16"/>
+    <p:sldId id="321" r:id="rId17"/>
+    <p:sldId id="322" r:id="rId18"/>
+    <p:sldId id="328" r:id="rId19"/>
+    <p:sldId id="323" r:id="rId20"/>
+    <p:sldId id="278" r:id="rId21"/>
+    <p:sldId id="281" r:id="rId22"/>
   </p:sldIdLst>
   <p:sldSz cx="12192000" cy="6858000"/>
   <p:notesSz cx="6858000" cy="9144000"/>
@@ -215,7 +217,7 @@
           <a:p>
             <a:fld id="{6F8F50F7-979F-417A-9318-F7435AFE106D}" type="datetimeFigureOut">
               <a:rPr lang="en-US" smtClean="0"/>
-              <a:t>30-May-24</a:t>
+              <a:t>02-Jun-24</a:t>
             </a:fld>
             <a:endParaRPr lang="en-US"/>
           </a:p>
@@ -566,6 +568,90 @@
 </p:notes>
 </file>
 
+<file path=ppt/notesSlides/notesSlide2.xml><?xml version="1.0" encoding="utf-8"?>
+<p:notes xmlns:a="http://schemas.openxmlformats.org/drawingml/2006/main" xmlns:r="http://schemas.openxmlformats.org/officeDocument/2006/relationships" xmlns:p="http://schemas.openxmlformats.org/presentationml/2006/main">
+  <p:cSld>
+    <p:spTree>
+      <p:nvGrpSpPr>
+        <p:cNvPr id="1" name=""/>
+        <p:cNvGrpSpPr/>
+        <p:nvPr/>
+      </p:nvGrpSpPr>
+      <p:grpSpPr>
+        <a:xfrm>
+          <a:off x="0" y="0"/>
+          <a:ext cx="0" cy="0"/>
+          <a:chOff x="0" y="0"/>
+          <a:chExt cx="0" cy="0"/>
+        </a:xfrm>
+      </p:grpSpPr>
+      <p:sp>
+        <p:nvSpPr>
+          <p:cNvPr id="2" name="Slide Image Placeholder 1"/>
+          <p:cNvSpPr>
+            <a:spLocks noGrp="1" noRot="1" noChangeAspect="1"/>
+          </p:cNvSpPr>
+          <p:nvPr>
+            <p:ph type="sldImg"/>
+          </p:nvPr>
+        </p:nvSpPr>
+        <p:spPr/>
+      </p:sp>
+      <p:sp>
+        <p:nvSpPr>
+          <p:cNvPr id="3" name="Notes Placeholder 2"/>
+          <p:cNvSpPr>
+            <a:spLocks noGrp="1"/>
+          </p:cNvSpPr>
+          <p:nvPr>
+            <p:ph type="body" idx="1"/>
+          </p:nvPr>
+        </p:nvSpPr>
+        <p:spPr/>
+        <p:txBody>
+          <a:bodyPr/>
+          <a:lstStyle/>
+          <a:p>
+            <a:endParaRPr lang="en-US" dirty="0"/>
+          </a:p>
+        </p:txBody>
+      </p:sp>
+      <p:sp>
+        <p:nvSpPr>
+          <p:cNvPr id="4" name="Slide Number Placeholder 3"/>
+          <p:cNvSpPr>
+            <a:spLocks noGrp="1"/>
+          </p:cNvSpPr>
+          <p:nvPr>
+            <p:ph type="sldNum" sz="quarter" idx="5"/>
+          </p:nvPr>
+        </p:nvSpPr>
+        <p:spPr/>
+        <p:txBody>
+          <a:bodyPr/>
+          <a:lstStyle/>
+          <a:p>
+            <a:fld id="{6F7774EF-FCC2-4FE8-A59A-6DF8DD72940D}" type="slidenum">
+              <a:rPr lang="en-US" smtClean="0"/>
+              <a:t>3</a:t>
+            </a:fld>
+            <a:endParaRPr lang="en-US"/>
+          </a:p>
+        </p:txBody>
+      </p:sp>
+    </p:spTree>
+    <p:extLst>
+      <p:ext uri="{BB962C8B-B14F-4D97-AF65-F5344CB8AC3E}">
+        <p14:creationId xmlns:p14="http://schemas.microsoft.com/office/powerpoint/2010/main" val="632231605"/>
+      </p:ext>
+    </p:extLst>
+  </p:cSld>
+  <p:clrMapOvr>
+    <a:masterClrMapping/>
+  </p:clrMapOvr>
+</p:notes>
+</file>
+
 <file path=ppt/slideLayouts/slideLayout1.xml><?xml version="1.0" encoding="utf-8"?>
 <p:sldLayout xmlns:a="http://schemas.openxmlformats.org/drawingml/2006/main" xmlns:r="http://schemas.openxmlformats.org/officeDocument/2006/relationships" xmlns:p="http://schemas.openxmlformats.org/presentationml/2006/main" type="title" preserve="1">
   <p:cSld name="Title Slide">
@@ -754,7 +840,7 @@
           <a:p>
             <a:fld id="{47141F06-E794-4EFC-981D-77C364B52985}" type="datetime1">
               <a:rPr lang="en-US" smtClean="0"/>
-              <a:t>30-May-24</a:t>
+              <a:t>02-Jun-24</a:t>
             </a:fld>
             <a:endParaRPr lang="en-US"/>
           </a:p>
@@ -1092,7 +1178,7 @@
           <a:p>
             <a:fld id="{B33B1352-D31E-478B-BBB3-EC404CB27062}" type="datetime1">
               <a:rPr lang="en-US" smtClean="0"/>
-              <a:t>30-May-24</a:t>
+              <a:t>02-Jun-24</a:t>
             </a:fld>
             <a:endParaRPr lang="en-US" dirty="0"/>
           </a:p>
@@ -1494,7 +1580,7 @@
           <a:p>
             <a:fld id="{ED5895FA-2F59-4FD8-AF9F-C07D99803CC4}" type="datetime1">
               <a:rPr lang="en-US" smtClean="0"/>
-              <a:t>30-May-24</a:t>
+              <a:t>02-Jun-24</a:t>
             </a:fld>
             <a:endParaRPr lang="en-US" dirty="0"/>
           </a:p>
@@ -1831,7 +1917,7 @@
           <a:p>
             <a:fld id="{78FE75F4-FB67-4627-9C8C-07FE36C94A78}" type="datetime1">
               <a:rPr lang="en-US" smtClean="0"/>
-              <a:t>30-May-24</a:t>
+              <a:t>02-Jun-24</a:t>
             </a:fld>
             <a:endParaRPr lang="en-US" dirty="0"/>
           </a:p>
@@ -2152,7 +2238,7 @@
           <a:p>
             <a:fld id="{D66D566D-C8DC-41F0-B4D1-87E599ACA3EA}" type="datetime1">
               <a:rPr lang="en-US" smtClean="0"/>
-              <a:t>30-May-24</a:t>
+              <a:t>02-Jun-24</a:t>
             </a:fld>
             <a:endParaRPr lang="en-US" dirty="0"/>
           </a:p>
@@ -2549,7 +2635,7 @@
           <a:p>
             <a:fld id="{6853EEDA-58A2-49D8-80CE-676D5887B457}" type="datetime1">
               <a:rPr lang="en-US" smtClean="0"/>
-              <a:t>30-May-24</a:t>
+              <a:t>02-Jun-24</a:t>
             </a:fld>
             <a:endParaRPr lang="en-US" dirty="0"/>
           </a:p>
@@ -2807,7 +2893,7 @@
           <a:p>
             <a:fld id="{1140E4F1-A413-4120-B1BE-CFCD0522E21F}" type="datetime1">
               <a:rPr lang="en-US" smtClean="0"/>
-              <a:t>30-May-24</a:t>
+              <a:t>02-Jun-24</a:t>
             </a:fld>
             <a:endParaRPr lang="en-US" dirty="0"/>
           </a:p>
@@ -3070,7 +3156,7 @@
           <a:p>
             <a:fld id="{FC5D1D4D-915C-40C4-B564-6BB76950728A}" type="datetime1">
               <a:rPr lang="en-US" smtClean="0"/>
-              <a:t>30-May-24</a:t>
+              <a:t>02-Jun-24</a:t>
             </a:fld>
             <a:endParaRPr lang="en-US" dirty="0"/>
           </a:p>
@@ -3333,7 +3419,7 @@
           <a:p>
             <a:fld id="{54C06224-B53B-4FE2-BA7A-AB5C0CD11AE8}" type="datetime1">
               <a:rPr lang="en-US" smtClean="0"/>
-              <a:t>30-May-24</a:t>
+              <a:t>02-Jun-24</a:t>
             </a:fld>
             <a:endParaRPr lang="en-US" dirty="0"/>
           </a:p>
@@ -3663,7 +3749,7 @@
           <a:p>
             <a:fld id="{BC176B63-8C3E-45E9-839C-4A497BD5833F}" type="datetime1">
               <a:rPr lang="en-US" smtClean="0"/>
-              <a:t>30-May-24</a:t>
+              <a:t>02-Jun-24</a:t>
             </a:fld>
             <a:endParaRPr lang="en-US" dirty="0"/>
           </a:p>
@@ -3986,7 +4072,7 @@
           <a:p>
             <a:fld id="{82A578A0-1F92-4525-A89A-BE254CA332B1}" type="datetime1">
               <a:rPr lang="en-US" smtClean="0"/>
-              <a:t>30-May-24</a:t>
+              <a:t>02-Jun-24</a:t>
             </a:fld>
             <a:endParaRPr lang="en-US" dirty="0"/>
           </a:p>
@@ -4444,7 +4530,7 @@
           <a:p>
             <a:fld id="{CB4C81B7-5274-45A6-92AD-02F8843029E3}" type="datetime1">
               <a:rPr lang="en-US" smtClean="0"/>
-              <a:t>30-May-24</a:t>
+              <a:t>02-Jun-24</a:t>
             </a:fld>
             <a:endParaRPr lang="en-US" dirty="0"/>
           </a:p>
@@ -4650,7 +4736,7 @@
           <a:p>
             <a:fld id="{A424BBCC-91F7-4ACB-A2E9-66DFDD6A36A5}" type="datetime1">
               <a:rPr lang="en-US" smtClean="0"/>
-              <a:t>30-May-24</a:t>
+              <a:t>02-Jun-24</a:t>
             </a:fld>
             <a:endParaRPr lang="en-US" dirty="0"/>
           </a:p>
@@ -4827,7 +4913,7 @@
           <a:p>
             <a:fld id="{BF9FE816-900F-4075-995B-132733144297}" type="datetime1">
               <a:rPr lang="en-US" smtClean="0"/>
-              <a:t>30-May-24</a:t>
+              <a:t>02-Jun-24</a:t>
             </a:fld>
             <a:endParaRPr lang="en-US" dirty="0"/>
           </a:p>
@@ -5160,7 +5246,7 @@
           <a:p>
             <a:fld id="{757EC048-7AC1-4542-9E95-384F191C2DC9}" type="datetime1">
               <a:rPr lang="en-US" smtClean="0"/>
-              <a:t>30-May-24</a:t>
+              <a:t>02-Jun-24</a:t>
             </a:fld>
             <a:endParaRPr lang="en-US" dirty="0"/>
           </a:p>
@@ -5506,7 +5592,7 @@
           <a:p>
             <a:fld id="{FD2470BC-96A7-4EB4-B1D8-3C308F46B902}" type="datetime1">
               <a:rPr lang="en-US" smtClean="0"/>
-              <a:t>30-May-24</a:t>
+              <a:t>02-Jun-24</a:t>
             </a:fld>
             <a:endParaRPr lang="en-US" dirty="0"/>
           </a:p>
@@ -7623,7 +7709,7 @@
           <a:p>
             <a:fld id="{8027C177-9F26-4481-A976-C3DABC3516E1}" type="datetime1">
               <a:rPr lang="en-US" smtClean="0"/>
-              <a:t>30-May-24</a:t>
+              <a:t>02-Jun-24</a:t>
             </a:fld>
             <a:endParaRPr lang="en-US" dirty="0"/>
           </a:p>
@@ -8367,7 +8453,7 @@
           <a:p>
             <a:r>
               <a:rPr lang="en-US" sz="4800" dirty="0"/>
-              <a:t>If-Else with Lists</a:t>
+              <a:t>Using Boolean Operators</a:t>
             </a:r>
             <a:endParaRPr lang="en-US" dirty="0"/>
           </a:p>
@@ -8503,12 +8589,45 @@
               <a:buChar char=""/>
             </a:pPr>
             <a:r>
+              <a:rPr lang="en-US" b="1" dirty="0">
+                <a:solidFill>
+                  <a:schemeClr val="tx1"/>
+                </a:solidFill>
+              </a:rPr>
+              <a:t>Boolean operators: </a:t>
+            </a:r>
+            <a:r>
               <a:rPr lang="en-US" dirty="0">
                 <a:solidFill>
                   <a:schemeClr val="tx1"/>
                 </a:solidFill>
               </a:rPr>
-              <a:t>Example: Check if a list contains an item.</a:t>
+              <a:t>and, or, not</a:t>
+            </a:r>
+          </a:p>
+          <a:p>
+            <a:pPr marL="342900" indent="-342900" algn="just">
+              <a:lnSpc>
+                <a:spcPct val="90000"/>
+              </a:lnSpc>
+              <a:buFont typeface="Wingdings 3" charset="2"/>
+              <a:buChar char=""/>
+            </a:pPr>
+            <a:r>
+              <a:rPr lang="en-US" b="1" dirty="0">
+                <a:solidFill>
+                  <a:schemeClr val="tx1"/>
+                </a:solidFill>
+              </a:rPr>
+              <a:t>Example: </a:t>
+            </a:r>
+            <a:r>
+              <a:rPr lang="en-US" dirty="0">
+                <a:solidFill>
+                  <a:schemeClr val="tx1"/>
+                </a:solidFill>
+              </a:rPr>
+              <a:t>Check if a number is positive and less than 10.</a:t>
             </a:r>
           </a:p>
           <a:p>
@@ -8518,20 +8637,12 @@
               </a:lnSpc>
             </a:pPr>
             <a:r>
-              <a:rPr lang="en-US" dirty="0" err="1">
+              <a:rPr lang="en-US" dirty="0">
                 <a:solidFill>
                   <a:schemeClr val="tx1"/>
                 </a:solidFill>
               </a:rPr>
-              <a:t>my_list</a:t>
-            </a:r>
-            <a:r>
-              <a:rPr lang="en-US" dirty="0">
-                <a:solidFill>
-                  <a:schemeClr val="tx1"/>
-                </a:solidFill>
-              </a:rPr>
-              <a:t> = [1, 2, 3, 4, 5]</a:t>
+              <a:t>num = 7</a:t>
             </a:r>
           </a:p>
           <a:p>
@@ -8546,23 +8657,7 @@
                   <a:schemeClr val="tx1"/>
                 </a:solidFill>
               </a:rPr>
-              <a:t>if 3 in </a:t>
-            </a:r>
-            <a:r>
-              <a:rPr lang="en-US" dirty="0" err="1">
-                <a:solidFill>
-                  <a:schemeClr val="tx1"/>
-                </a:solidFill>
-              </a:rPr>
-              <a:t>my_list</a:t>
-            </a:r>
-            <a:r>
-              <a:rPr lang="en-US" dirty="0">
-                <a:solidFill>
-                  <a:schemeClr val="tx1"/>
-                </a:solidFill>
-              </a:rPr>
-              <a:t>:</a:t>
+              <a:t>if num &gt; 0 and num &lt; 10:</a:t>
             </a:r>
           </a:p>
           <a:p>
@@ -8577,37 +8672,7 @@
                   <a:schemeClr val="tx1"/>
                 </a:solidFill>
               </a:rPr>
-              <a:t>    print("3 is in the list")</a:t>
-            </a:r>
-          </a:p>
-          <a:p>
-            <a:pPr lvl="1" algn="just">
-              <a:lnSpc>
-                <a:spcPct val="90000"/>
-              </a:lnSpc>
-            </a:pPr>
-            <a:r>
-              <a:rPr lang="en-US" dirty="0">
-                <a:solidFill>
-                  <a:schemeClr val="tx1"/>
-                </a:solidFill>
-              </a:rPr>
-              <a:t>else:</a:t>
-            </a:r>
-          </a:p>
-          <a:p>
-            <a:pPr lvl="1" algn="just">
-              <a:lnSpc>
-                <a:spcPct val="90000"/>
-              </a:lnSpc>
-            </a:pPr>
-            <a:r>
-              <a:rPr lang="en-US" dirty="0">
-                <a:solidFill>
-                  <a:schemeClr val="tx1"/>
-                </a:solidFill>
-              </a:rPr>
-              <a:t>    print("3 is not in the list")</a:t>
+              <a:t>    print("The number is positive and less than 10")</a:t>
             </a:r>
           </a:p>
         </p:txBody>
@@ -8615,7 +8680,7 @@
     </p:spTree>
     <p:extLst>
       <p:ext uri="{BB962C8B-B14F-4D97-AF65-F5344CB8AC3E}">
-        <p14:creationId xmlns:p14="http://schemas.microsoft.com/office/powerpoint/2010/main" val="1989576268"/>
+        <p14:creationId xmlns:p14="http://schemas.microsoft.com/office/powerpoint/2010/main" val="2453173145"/>
       </p:ext>
     </p:extLst>
   </p:cSld>
@@ -8670,7 +8735,7 @@
           <a:p>
             <a:r>
               <a:rPr lang="en-US" sz="4800" dirty="0"/>
-              <a:t>Practical Example 1</a:t>
+              <a:t>If-Else with Strings</a:t>
             </a:r>
             <a:endParaRPr lang="en-US" dirty="0"/>
           </a:p>
@@ -8806,12 +8871,20 @@
               <a:buChar char=""/>
             </a:pPr>
             <a:r>
+              <a:rPr lang="en-US" b="1" dirty="0">
+                <a:solidFill>
+                  <a:schemeClr val="tx1"/>
+                </a:solidFill>
+              </a:rPr>
+              <a:t>Example</a:t>
+            </a:r>
+            <a:r>
               <a:rPr lang="en-US" dirty="0">
                 <a:solidFill>
                   <a:schemeClr val="tx1"/>
                 </a:solidFill>
               </a:rPr>
-              <a:t>Check if a user is old enough to vote.</a:t>
+              <a:t>: Check if a string is empty.</a:t>
             </a:r>
           </a:p>
           <a:p>
@@ -8821,12 +8894,20 @@
               </a:lnSpc>
             </a:pPr>
             <a:r>
+              <a:rPr lang="en-US" dirty="0" err="1">
+                <a:solidFill>
+                  <a:schemeClr val="tx1"/>
+                </a:solidFill>
+              </a:rPr>
+              <a:t>my_string</a:t>
+            </a:r>
+            <a:r>
               <a:rPr lang="en-US" dirty="0">
                 <a:solidFill>
                   <a:schemeClr val="tx1"/>
                 </a:solidFill>
               </a:rPr>
-              <a:t>age = 18</a:t>
+              <a:t> = “”</a:t>
             </a:r>
           </a:p>
           <a:p>
@@ -8841,7 +8922,23 @@
                   <a:schemeClr val="tx1"/>
                 </a:solidFill>
               </a:rPr>
-              <a:t>if age &gt;= 18:</a:t>
+              <a:t>if </a:t>
+            </a:r>
+            <a:r>
+              <a:rPr lang="en-US" dirty="0" err="1">
+                <a:solidFill>
+                  <a:schemeClr val="tx1"/>
+                </a:solidFill>
+              </a:rPr>
+              <a:t>my_string</a:t>
+            </a:r>
+            <a:r>
+              <a:rPr lang="en-US" dirty="0">
+                <a:solidFill>
+                  <a:schemeClr val="tx1"/>
+                </a:solidFill>
+              </a:rPr>
+              <a:t> == “”:</a:t>
             </a:r>
           </a:p>
           <a:p>
@@ -8856,7 +8953,7 @@
                   <a:schemeClr val="tx1"/>
                 </a:solidFill>
               </a:rPr>
-              <a:t>    print("You are old enough to vote")</a:t>
+              <a:t>    print("The string is empty")</a:t>
             </a:r>
           </a:p>
           <a:p>
@@ -8886,7 +8983,7 @@
                   <a:schemeClr val="tx1"/>
                 </a:solidFill>
               </a:rPr>
-              <a:t>    print("You are not old enough to vote")</a:t>
+              <a:t>    print("The string is not empty")</a:t>
             </a:r>
           </a:p>
         </p:txBody>
@@ -8894,7 +8991,7 @@
     </p:spTree>
     <p:extLst>
       <p:ext uri="{BB962C8B-B14F-4D97-AF65-F5344CB8AC3E}">
-        <p14:creationId xmlns:p14="http://schemas.microsoft.com/office/powerpoint/2010/main" val="30612531"/>
+        <p14:creationId xmlns:p14="http://schemas.microsoft.com/office/powerpoint/2010/main" val="2820596123"/>
       </p:ext>
     </p:extLst>
   </p:cSld>
@@ -8949,7 +9046,7 @@
           <a:p>
             <a:r>
               <a:rPr lang="en-US" sz="4800" dirty="0"/>
-              <a:t>Practical Example 2</a:t>
+              <a:t>Practical Example 1</a:t>
             </a:r>
             <a:endParaRPr lang="en-US" dirty="0"/>
           </a:p>
@@ -9090,7 +9187,7 @@
                   <a:schemeClr val="tx1"/>
                 </a:solidFill>
               </a:rPr>
-              <a:t>Determine if the temperature is hot, cold, or just right.</a:t>
+              <a:t>Check if a user is old enough to vote.</a:t>
             </a:r>
           </a:p>
           <a:p>
@@ -9105,7 +9202,7 @@
                   <a:schemeClr val="tx1"/>
                 </a:solidFill>
               </a:rPr>
-              <a:t>temperature = 25</a:t>
+              <a:t>Input: age</a:t>
             </a:r>
           </a:p>
           <a:p>
@@ -9120,90 +9217,7 @@
                   <a:schemeClr val="tx1"/>
                 </a:solidFill>
               </a:rPr>
-              <a:t>if temperature &gt; 30:</a:t>
-            </a:r>
-          </a:p>
-          <a:p>
-            <a:pPr lvl="1" algn="just">
-              <a:lnSpc>
-                <a:spcPct val="90000"/>
-              </a:lnSpc>
-            </a:pPr>
-            <a:r>
-              <a:rPr lang="en-US" dirty="0">
-                <a:solidFill>
-                  <a:schemeClr val="tx1"/>
-                </a:solidFill>
-              </a:rPr>
-              <a:t>    print("It's hot")</a:t>
-            </a:r>
-          </a:p>
-          <a:p>
-            <a:pPr lvl="1" algn="just">
-              <a:lnSpc>
-                <a:spcPct val="90000"/>
-              </a:lnSpc>
-            </a:pPr>
-            <a:r>
-              <a:rPr lang="en-US" dirty="0" err="1">
-                <a:solidFill>
-                  <a:schemeClr val="tx1"/>
-                </a:solidFill>
-              </a:rPr>
-              <a:t>elif</a:t>
-            </a:r>
-            <a:r>
-              <a:rPr lang="en-US" dirty="0">
-                <a:solidFill>
-                  <a:schemeClr val="tx1"/>
-                </a:solidFill>
-              </a:rPr>
-              <a:t> temperature &lt; 15:</a:t>
-            </a:r>
-          </a:p>
-          <a:p>
-            <a:pPr lvl="1" algn="just">
-              <a:lnSpc>
-                <a:spcPct val="90000"/>
-              </a:lnSpc>
-            </a:pPr>
-            <a:r>
-              <a:rPr lang="en-US" dirty="0">
-                <a:solidFill>
-                  <a:schemeClr val="tx1"/>
-                </a:solidFill>
-              </a:rPr>
-              <a:t>    print("It's cold")</a:t>
-            </a:r>
-          </a:p>
-          <a:p>
-            <a:pPr lvl="1" algn="just">
-              <a:lnSpc>
-                <a:spcPct val="90000"/>
-              </a:lnSpc>
-            </a:pPr>
-            <a:r>
-              <a:rPr lang="en-US" dirty="0">
-                <a:solidFill>
-                  <a:schemeClr val="tx1"/>
-                </a:solidFill>
-              </a:rPr>
-              <a:t>else:</a:t>
-            </a:r>
-          </a:p>
-          <a:p>
-            <a:pPr lvl="1" algn="just">
-              <a:lnSpc>
-                <a:spcPct val="90000"/>
-              </a:lnSpc>
-            </a:pPr>
-            <a:r>
-              <a:rPr lang="en-US" dirty="0">
-                <a:solidFill>
-                  <a:schemeClr val="tx1"/>
-                </a:solidFill>
-              </a:rPr>
-              <a:t>    print("The temperature is just right")</a:t>
+              <a:t>Output: if age&gt;=18 then print "You are old enough to vote" otherwise print "You are not old enough to vote“.</a:t>
             </a:r>
           </a:p>
         </p:txBody>
@@ -9211,7 +9225,7 @@
     </p:spTree>
     <p:extLst>
       <p:ext uri="{BB962C8B-B14F-4D97-AF65-F5344CB8AC3E}">
-        <p14:creationId xmlns:p14="http://schemas.microsoft.com/office/powerpoint/2010/main" val="960438192"/>
+        <p14:creationId xmlns:p14="http://schemas.microsoft.com/office/powerpoint/2010/main" val="30612531"/>
       </p:ext>
     </p:extLst>
   </p:cSld>
@@ -9266,7 +9280,7 @@
           <a:p>
             <a:r>
               <a:rPr lang="en-US" sz="4800" dirty="0"/>
-              <a:t>Common Mistakes</a:t>
+              <a:t>Practical Example 2</a:t>
             </a:r>
             <a:endParaRPr lang="en-US" dirty="0"/>
           </a:p>
@@ -9407,30 +9421,29 @@
                   <a:schemeClr val="tx1"/>
                 </a:solidFill>
               </a:rPr>
-              <a:t>Content:</a:t>
-            </a:r>
-          </a:p>
-          <a:p>
-            <a:pPr marL="342900" indent="-342900" algn="just">
+              <a:t>Determine if the temperature is hot, cold, or just right.</a:t>
+            </a:r>
+          </a:p>
+          <a:p>
+            <a:pPr lvl="1" algn="just">
               <a:lnSpc>
                 <a:spcPct val="90000"/>
               </a:lnSpc>
-              <a:buFont typeface="Wingdings 3" charset="2"/>
-              <a:buChar char=""/>
             </a:pPr>
-            <a:endParaRPr lang="en-US" dirty="0">
-              <a:solidFill>
-                <a:schemeClr val="tx1"/>
-              </a:solidFill>
-            </a:endParaRPr>
-          </a:p>
-          <a:p>
-            <a:pPr marL="342900" indent="-342900" algn="just">
+            <a:r>
+              <a:rPr lang="en-US" dirty="0">
+                <a:solidFill>
+                  <a:schemeClr val="tx1"/>
+                </a:solidFill>
+              </a:rPr>
+              <a:t>temperature = 25</a:t>
+            </a:r>
+          </a:p>
+          <a:p>
+            <a:pPr lvl="1" algn="just">
               <a:lnSpc>
                 <a:spcPct val="90000"/>
               </a:lnSpc>
-              <a:buFont typeface="Wingdings 3" charset="2"/>
-              <a:buChar char=""/>
             </a:pPr>
             <a:r>
               <a:rPr lang="en-US" dirty="0">
@@ -9438,16 +9451,14 @@
                   <a:schemeClr val="tx1"/>
                 </a:solidFill>
               </a:rPr>
-              <a:t>Forgetting the colon: after the condition.</a:t>
-            </a:r>
-          </a:p>
-          <a:p>
-            <a:pPr marL="342900" indent="-342900" algn="just">
+              <a:t>if temperature &gt; 30:</a:t>
+            </a:r>
+          </a:p>
+          <a:p>
+            <a:pPr lvl="1" algn="just">
               <a:lnSpc>
                 <a:spcPct val="90000"/>
               </a:lnSpc>
-              <a:buFont typeface="Wingdings 3" charset="2"/>
-              <a:buChar char=""/>
             </a:pPr>
             <a:r>
               <a:rPr lang="en-US" dirty="0">
@@ -9455,24 +9466,75 @@
                   <a:schemeClr val="tx1"/>
                 </a:solidFill>
               </a:rPr>
-              <a:t>Incorrect indentation.</a:t>
-            </a:r>
-          </a:p>
-          <a:p>
-            <a:pPr marL="342900" indent="-342900" algn="just">
+              <a:t>    print("It's hot")</a:t>
+            </a:r>
+          </a:p>
+          <a:p>
+            <a:pPr lvl="1" algn="just">
               <a:lnSpc>
                 <a:spcPct val="90000"/>
               </a:lnSpc>
-              <a:buFont typeface="Wingdings 3" charset="2"/>
-              <a:buChar char=""/>
             </a:pPr>
             <a:r>
+              <a:rPr lang="en-US" dirty="0" err="1">
+                <a:solidFill>
+                  <a:schemeClr val="tx1"/>
+                </a:solidFill>
+              </a:rPr>
+              <a:t>elif</a:t>
+            </a:r>
+            <a:r>
               <a:rPr lang="en-US" dirty="0">
                 <a:solidFill>
                   <a:schemeClr val="tx1"/>
                 </a:solidFill>
               </a:rPr>
-              <a:t>Using = instead of == for comparison.</a:t>
+              <a:t> temperature &lt; 15:</a:t>
+            </a:r>
+          </a:p>
+          <a:p>
+            <a:pPr lvl="1" algn="just">
+              <a:lnSpc>
+                <a:spcPct val="90000"/>
+              </a:lnSpc>
+            </a:pPr>
+            <a:r>
+              <a:rPr lang="en-US" dirty="0">
+                <a:solidFill>
+                  <a:schemeClr val="tx1"/>
+                </a:solidFill>
+              </a:rPr>
+              <a:t>    print("It's cold")</a:t>
+            </a:r>
+          </a:p>
+          <a:p>
+            <a:pPr lvl="1" algn="just">
+              <a:lnSpc>
+                <a:spcPct val="90000"/>
+              </a:lnSpc>
+            </a:pPr>
+            <a:r>
+              <a:rPr lang="en-US" dirty="0">
+                <a:solidFill>
+                  <a:schemeClr val="tx1"/>
+                </a:solidFill>
+              </a:rPr>
+              <a:t>else:</a:t>
+            </a:r>
+          </a:p>
+          <a:p>
+            <a:pPr lvl="1" algn="just">
+              <a:lnSpc>
+                <a:spcPct val="90000"/>
+              </a:lnSpc>
+            </a:pPr>
+            <a:r>
+              <a:rPr lang="en-US" dirty="0">
+                <a:solidFill>
+                  <a:schemeClr val="tx1"/>
+                </a:solidFill>
+              </a:rPr>
+              <a:t>    print("The temperature is just right")</a:t>
             </a:r>
           </a:p>
         </p:txBody>
@@ -9480,7 +9542,7 @@
     </p:spTree>
     <p:extLst>
       <p:ext uri="{BB962C8B-B14F-4D97-AF65-F5344CB8AC3E}">
-        <p14:creationId xmlns:p14="http://schemas.microsoft.com/office/powerpoint/2010/main" val="3030387500"/>
+        <p14:creationId xmlns:p14="http://schemas.microsoft.com/office/powerpoint/2010/main" val="960438192"/>
       </p:ext>
     </p:extLst>
   </p:cSld>
@@ -9535,7 +9597,7 @@
           <a:p>
             <a:r>
               <a:rPr lang="en-US" sz="4800" dirty="0"/>
-              <a:t>Debugging Tips</a:t>
+              <a:t>Common Mistakes</a:t>
             </a:r>
             <a:endParaRPr lang="en-US" dirty="0"/>
           </a:p>
@@ -9663,6 +9725,18 @@
           </a:bodyPr>
           <a:lstStyle/>
           <a:p>
+            <a:pPr algn="just">
+              <a:lnSpc>
+                <a:spcPct val="90000"/>
+              </a:lnSpc>
+            </a:pPr>
+            <a:endParaRPr lang="en-US" dirty="0">
+              <a:solidFill>
+                <a:schemeClr val="tx1"/>
+              </a:solidFill>
+            </a:endParaRPr>
+          </a:p>
+          <a:p>
             <a:pPr marL="342900" indent="-342900" algn="just">
               <a:lnSpc>
                 <a:spcPct val="90000"/>
@@ -9676,7 +9750,7 @@
                   <a:schemeClr val="tx1"/>
                 </a:solidFill>
               </a:rPr>
-              <a:t>Content:</a:t>
+              <a:t>Forgetting the colon: after the condition.</a:t>
             </a:r>
           </a:p>
           <a:p>
@@ -9687,11 +9761,14 @@
               <a:buFont typeface="Wingdings 3" charset="2"/>
               <a:buChar char=""/>
             </a:pPr>
-            <a:endParaRPr lang="en-US" dirty="0">
-              <a:solidFill>
-                <a:schemeClr val="tx1"/>
-              </a:solidFill>
-            </a:endParaRPr>
+            <a:r>
+              <a:rPr lang="en-US" dirty="0">
+                <a:solidFill>
+                  <a:schemeClr val="tx1"/>
+                </a:solidFill>
+              </a:rPr>
+              <a:t>Incorrect indentation.</a:t>
+            </a:r>
           </a:p>
           <a:p>
             <a:pPr marL="342900" indent="-342900" algn="just">
@@ -9707,41 +9784,7 @@
                   <a:schemeClr val="tx1"/>
                 </a:solidFill>
               </a:rPr>
-              <a:t>Use print statements to check variable values.</a:t>
-            </a:r>
-          </a:p>
-          <a:p>
-            <a:pPr marL="342900" indent="-342900" algn="just">
-              <a:lnSpc>
-                <a:spcPct val="90000"/>
-              </a:lnSpc>
-              <a:buFont typeface="Wingdings 3" charset="2"/>
-              <a:buChar char=""/>
-            </a:pPr>
-            <a:r>
-              <a:rPr lang="en-US" dirty="0">
-                <a:solidFill>
-                  <a:schemeClr val="tx1"/>
-                </a:solidFill>
-              </a:rPr>
-              <a:t>Carefully read error messages.</a:t>
-            </a:r>
-          </a:p>
-          <a:p>
-            <a:pPr marL="342900" indent="-342900" algn="just">
-              <a:lnSpc>
-                <a:spcPct val="90000"/>
-              </a:lnSpc>
-              <a:buFont typeface="Wingdings 3" charset="2"/>
-              <a:buChar char=""/>
-            </a:pPr>
-            <a:r>
-              <a:rPr lang="en-US" dirty="0">
-                <a:solidFill>
-                  <a:schemeClr val="tx1"/>
-                </a:solidFill>
-              </a:rPr>
-              <a:t>Test each condition separately.</a:t>
+              <a:t>Using = instead of == for comparison.</a:t>
             </a:r>
           </a:p>
         </p:txBody>
@@ -9749,7 +9792,7 @@
     </p:spTree>
     <p:extLst>
       <p:ext uri="{BB962C8B-B14F-4D97-AF65-F5344CB8AC3E}">
-        <p14:creationId xmlns:p14="http://schemas.microsoft.com/office/powerpoint/2010/main" val="1742761822"/>
+        <p14:creationId xmlns:p14="http://schemas.microsoft.com/office/powerpoint/2010/main" val="3030387500"/>
       </p:ext>
     </p:extLst>
   </p:cSld>
@@ -9804,7 +9847,7 @@
           <a:p>
             <a:r>
               <a:rPr lang="en-US" sz="4800" dirty="0"/>
-              <a:t>Practical Exercise 3</a:t>
+              <a:t>Debugging Tips</a:t>
             </a:r>
             <a:endParaRPr lang="en-US" dirty="0"/>
           </a:p>
@@ -9932,6 +9975,18 @@
           </a:bodyPr>
           <a:lstStyle/>
           <a:p>
+            <a:pPr algn="just">
+              <a:lnSpc>
+                <a:spcPct val="90000"/>
+              </a:lnSpc>
+            </a:pPr>
+            <a:endParaRPr lang="en-US" dirty="0">
+              <a:solidFill>
+                <a:schemeClr val="tx1"/>
+              </a:solidFill>
+            </a:endParaRPr>
+          </a:p>
+          <a:p>
             <a:pPr marL="342900" indent="-342900" algn="just">
               <a:lnSpc>
                 <a:spcPct val="90000"/>
@@ -9945,7 +10000,7 @@
                   <a:schemeClr val="tx1"/>
                 </a:solidFill>
               </a:rPr>
-              <a:t>Title: Practical Exercise: Guessing Game</a:t>
+              <a:t>Use print statements to check variable values.</a:t>
             </a:r>
           </a:p>
           <a:p>
@@ -9962,121 +10017,24 @@
                   <a:schemeClr val="tx1"/>
                 </a:solidFill>
               </a:rPr>
-              <a:t>Write a program that asks the user to guess a number.</a:t>
-            </a:r>
-          </a:p>
-          <a:p>
-            <a:pPr lvl="1" algn="just">
+              <a:t>Carefully read error messages.</a:t>
+            </a:r>
+          </a:p>
+          <a:p>
+            <a:pPr marL="342900" indent="-342900" algn="just">
               <a:lnSpc>
                 <a:spcPct val="90000"/>
               </a:lnSpc>
+              <a:buFont typeface="Wingdings 3" charset="2"/>
+              <a:buChar char=""/>
             </a:pPr>
             <a:r>
-              <a:rPr lang="en-US" dirty="0" err="1">
+              <a:rPr lang="en-US" dirty="0">
                 <a:solidFill>
                   <a:schemeClr val="tx1"/>
                 </a:solidFill>
               </a:rPr>
-              <a:t>secret_number</a:t>
-            </a:r>
-            <a:r>
-              <a:rPr lang="en-US" dirty="0">
-                <a:solidFill>
-                  <a:schemeClr val="tx1"/>
-                </a:solidFill>
-              </a:rPr>
-              <a:t> = 7</a:t>
-            </a:r>
-          </a:p>
-          <a:p>
-            <a:pPr lvl="1" algn="just">
-              <a:lnSpc>
-                <a:spcPct val="90000"/>
-              </a:lnSpc>
-            </a:pPr>
-            <a:r>
-              <a:rPr lang="en-US" dirty="0">
-                <a:solidFill>
-                  <a:schemeClr val="tx1"/>
-                </a:solidFill>
-              </a:rPr>
-              <a:t>guess = int(input("Guess the number: "))</a:t>
-            </a:r>
-          </a:p>
-          <a:p>
-            <a:pPr lvl="1" algn="just">
-              <a:lnSpc>
-                <a:spcPct val="90000"/>
-              </a:lnSpc>
-            </a:pPr>
-            <a:r>
-              <a:rPr lang="en-US" dirty="0">
-                <a:solidFill>
-                  <a:schemeClr val="tx1"/>
-                </a:solidFill>
-              </a:rPr>
-              <a:t>if guess == </a:t>
-            </a:r>
-            <a:r>
-              <a:rPr lang="en-US" dirty="0" err="1">
-                <a:solidFill>
-                  <a:schemeClr val="tx1"/>
-                </a:solidFill>
-              </a:rPr>
-              <a:t>secret_number</a:t>
-            </a:r>
-            <a:r>
-              <a:rPr lang="en-US" dirty="0">
-                <a:solidFill>
-                  <a:schemeClr val="tx1"/>
-                </a:solidFill>
-              </a:rPr>
-              <a:t>:</a:t>
-            </a:r>
-          </a:p>
-          <a:p>
-            <a:pPr lvl="1" algn="just">
-              <a:lnSpc>
-                <a:spcPct val="90000"/>
-              </a:lnSpc>
-            </a:pPr>
-            <a:r>
-              <a:rPr lang="en-US" dirty="0">
-                <a:solidFill>
-                  <a:schemeClr val="tx1"/>
-                </a:solidFill>
-              </a:rPr>
-              <a:t>    print("You guessed it!")</a:t>
-            </a:r>
-          </a:p>
-          <a:p>
-            <a:pPr lvl="1" algn="just">
-              <a:lnSpc>
-                <a:spcPct val="90000"/>
-              </a:lnSpc>
-            </a:pPr>
-            <a:r>
-              <a:rPr lang="en-US" dirty="0">
-                <a:solidFill>
-                  <a:schemeClr val="tx1"/>
-                </a:solidFill>
-              </a:rPr>
-              <a:t>else:</a:t>
-            </a:r>
-          </a:p>
-          <a:p>
-            <a:pPr lvl="1" algn="just">
-              <a:lnSpc>
-                <a:spcPct val="90000"/>
-              </a:lnSpc>
-            </a:pPr>
-            <a:r>
-              <a:rPr lang="en-US" dirty="0">
-                <a:solidFill>
-                  <a:schemeClr val="tx1"/>
-                </a:solidFill>
-              </a:rPr>
-              <a:t>    print("Try again!").</a:t>
+              <a:t>Test each condition separately.</a:t>
             </a:r>
           </a:p>
         </p:txBody>
@@ -10084,7 +10042,7 @@
     </p:spTree>
     <p:extLst>
       <p:ext uri="{BB962C8B-B14F-4D97-AF65-F5344CB8AC3E}">
-        <p14:creationId xmlns:p14="http://schemas.microsoft.com/office/powerpoint/2010/main" val="3055361954"/>
+        <p14:creationId xmlns:p14="http://schemas.microsoft.com/office/powerpoint/2010/main" val="1742761822"/>
       </p:ext>
     </p:extLst>
   </p:cSld>
@@ -10139,7 +10097,7 @@
           <a:p>
             <a:r>
               <a:rPr lang="en-US" sz="4800" dirty="0"/>
-              <a:t>Practical Exercise 4</a:t>
+              <a:t>Practical Exercise 3</a:t>
             </a:r>
             <a:endParaRPr lang="en-US" dirty="0"/>
           </a:p>
@@ -10257,13 +10215,13 @@
         </p:nvSpPr>
         <p:spPr>
           <a:xfrm>
-            <a:off x="2589212" y="2625968"/>
-            <a:ext cx="7211280" cy="3994699"/>
+            <a:off x="2589212" y="2363372"/>
+            <a:ext cx="7211280" cy="4257295"/>
           </a:xfrm>
         </p:spPr>
         <p:txBody>
           <a:bodyPr>
-            <a:normAutofit/>
+            <a:normAutofit fontScale="92500" lnSpcReduction="10000"/>
           </a:bodyPr>
           <a:lstStyle/>
           <a:p>
@@ -10280,7 +10238,7 @@
                   <a:schemeClr val="tx1"/>
                 </a:solidFill>
               </a:rPr>
-              <a:t>Title: Practical Exercise: Password Check</a:t>
+              <a:t>Title: Guessing Game</a:t>
             </a:r>
           </a:p>
           <a:p>
@@ -10297,7 +10255,123 @@
                   <a:schemeClr val="tx1"/>
                 </a:solidFill>
               </a:rPr>
-              <a:t>Write a program that checks if a password is correct.</a:t>
+              <a:t>Write a program that </a:t>
+            </a:r>
+          </a:p>
+          <a:p>
+            <a:pPr marL="800100" lvl="1" indent="-342900" algn="just">
+              <a:lnSpc>
+                <a:spcPct val="90000"/>
+              </a:lnSpc>
+              <a:buFont typeface="Wingdings 3" charset="2"/>
+              <a:buChar char=""/>
+            </a:pPr>
+            <a:r>
+              <a:rPr lang="en-US" dirty="0">
+                <a:solidFill>
+                  <a:schemeClr val="tx1"/>
+                </a:solidFill>
+              </a:rPr>
+              <a:t>The secret number is predefined as 7.</a:t>
+            </a:r>
+          </a:p>
+          <a:p>
+            <a:pPr marL="800100" lvl="1" indent="-342900" algn="just">
+              <a:lnSpc>
+                <a:spcPct val="90000"/>
+              </a:lnSpc>
+              <a:buFont typeface="Wingdings 3" charset="2"/>
+              <a:buChar char=""/>
+            </a:pPr>
+            <a:r>
+              <a:rPr lang="en-US" dirty="0">
+                <a:solidFill>
+                  <a:schemeClr val="tx1"/>
+                </a:solidFill>
+              </a:rPr>
+              <a:t>The user is prompted to enter their guess.</a:t>
+            </a:r>
+          </a:p>
+          <a:p>
+            <a:pPr marL="800100" lvl="1" indent="-342900" algn="just">
+              <a:lnSpc>
+                <a:spcPct val="90000"/>
+              </a:lnSpc>
+              <a:buFont typeface="Wingdings 3" charset="2"/>
+              <a:buChar char=""/>
+            </a:pPr>
+            <a:r>
+              <a:rPr lang="en-US" dirty="0">
+                <a:solidFill>
+                  <a:schemeClr val="tx1"/>
+                </a:solidFill>
+              </a:rPr>
+              <a:t>The program checks if the guess is equal to the secret number.</a:t>
+            </a:r>
+          </a:p>
+          <a:p>
+            <a:pPr marL="800100" lvl="1" indent="-342900" algn="just">
+              <a:lnSpc>
+                <a:spcPct val="90000"/>
+              </a:lnSpc>
+              <a:buFont typeface="Wingdings 3" charset="2"/>
+              <a:buChar char=""/>
+            </a:pPr>
+            <a:r>
+              <a:rPr lang="en-US" dirty="0">
+                <a:solidFill>
+                  <a:schemeClr val="tx1"/>
+                </a:solidFill>
+              </a:rPr>
+              <a:t>If the guess is correct, it prints "You guessed it!".</a:t>
+            </a:r>
+          </a:p>
+          <a:p>
+            <a:pPr marL="800100" lvl="1" indent="-342900" algn="just">
+              <a:lnSpc>
+                <a:spcPct val="90000"/>
+              </a:lnSpc>
+              <a:buFont typeface="Wingdings 3" charset="2"/>
+              <a:buChar char=""/>
+            </a:pPr>
+            <a:r>
+              <a:rPr lang="en-US" dirty="0">
+                <a:solidFill>
+                  <a:schemeClr val="tx1"/>
+                </a:solidFill>
+              </a:rPr>
+              <a:t>If the guess is incorrect, it prints "Try again!".</a:t>
+            </a:r>
+          </a:p>
+          <a:p>
+            <a:pPr marL="800100" lvl="1" indent="-342900" algn="just">
+              <a:lnSpc>
+                <a:spcPct val="90000"/>
+              </a:lnSpc>
+              <a:buFont typeface="Wingdings 3" charset="2"/>
+              <a:buChar char=""/>
+            </a:pPr>
+            <a:endParaRPr lang="en-US" dirty="0">
+              <a:solidFill>
+                <a:schemeClr val="tx1"/>
+              </a:solidFill>
+            </a:endParaRPr>
+          </a:p>
+          <a:p>
+            <a:pPr marL="800100" lvl="1" indent="-342900" algn="just">
+              <a:lnSpc>
+                <a:spcPct val="90000"/>
+              </a:lnSpc>
+              <a:buFont typeface="Wingdings 3" charset="2"/>
+              <a:buChar char=""/>
+            </a:pPr>
+            <a:r>
+              <a:rPr lang="en-US" dirty="0">
+                <a:solidFill>
+                  <a:schemeClr val="tx1"/>
+                </a:solidFill>
+              </a:rPr>
+              <a:t>Input1: Guess the number: 7</a:t>
             </a:r>
           </a:p>
           <a:p>
@@ -10312,7 +10386,38 @@
                   <a:schemeClr val="tx1"/>
                 </a:solidFill>
               </a:rPr>
-              <a:t>password = "python123"</a:t>
+              <a:t>       Output: You guessed it!</a:t>
+            </a:r>
+          </a:p>
+          <a:p>
+            <a:pPr marL="800100" lvl="1" indent="-342900" algn="just">
+              <a:lnSpc>
+                <a:spcPct val="90000"/>
+              </a:lnSpc>
+              <a:buFont typeface="Wingdings 3" charset="2"/>
+              <a:buChar char=""/>
+            </a:pPr>
+            <a:endParaRPr lang="en-US" dirty="0">
+              <a:solidFill>
+                <a:schemeClr val="tx1"/>
+              </a:solidFill>
+            </a:endParaRPr>
+          </a:p>
+          <a:p>
+            <a:pPr marL="800100" lvl="1" indent="-342900" algn="just">
+              <a:lnSpc>
+                <a:spcPct val="90000"/>
+              </a:lnSpc>
+              <a:buFont typeface="Wingdings 3" charset="2"/>
+              <a:buChar char=""/>
+            </a:pPr>
+            <a:r>
+              <a:rPr lang="en-US" dirty="0">
+                <a:solidFill>
+                  <a:schemeClr val="tx1"/>
+                </a:solidFill>
+              </a:rPr>
+              <a:t>Input2: Guess the number: 3</a:t>
             </a:r>
           </a:p>
           <a:p>
@@ -10322,96 +10427,12 @@
               </a:lnSpc>
             </a:pPr>
             <a:r>
-              <a:rPr lang="en-US" dirty="0" err="1">
+              <a:rPr lang="en-US" dirty="0">
                 <a:solidFill>
                   <a:schemeClr val="tx1"/>
                 </a:solidFill>
               </a:rPr>
-              <a:t>user_input</a:t>
-            </a:r>
-            <a:r>
-              <a:rPr lang="en-US" dirty="0">
-                <a:solidFill>
-                  <a:schemeClr val="tx1"/>
-                </a:solidFill>
-              </a:rPr>
-              <a:t> = input("Enter the password: ")</a:t>
-            </a:r>
-          </a:p>
-          <a:p>
-            <a:pPr lvl="1" algn="just">
-              <a:lnSpc>
-                <a:spcPct val="90000"/>
-              </a:lnSpc>
-            </a:pPr>
-            <a:r>
-              <a:rPr lang="en-US" dirty="0">
-                <a:solidFill>
-                  <a:schemeClr val="tx1"/>
-                </a:solidFill>
-              </a:rPr>
-              <a:t>if </a:t>
-            </a:r>
-            <a:r>
-              <a:rPr lang="en-US" dirty="0" err="1">
-                <a:solidFill>
-                  <a:schemeClr val="tx1"/>
-                </a:solidFill>
-              </a:rPr>
-              <a:t>user_input</a:t>
-            </a:r>
-            <a:r>
-              <a:rPr lang="en-US" dirty="0">
-                <a:solidFill>
-                  <a:schemeClr val="tx1"/>
-                </a:solidFill>
-              </a:rPr>
-              <a:t> == password:</a:t>
-            </a:r>
-          </a:p>
-          <a:p>
-            <a:pPr lvl="1" algn="just">
-              <a:lnSpc>
-                <a:spcPct val="90000"/>
-              </a:lnSpc>
-            </a:pPr>
-            <a:r>
-              <a:rPr lang="en-US" dirty="0">
-                <a:solidFill>
-                  <a:schemeClr val="tx1"/>
-                </a:solidFill>
-              </a:rPr>
-              <a:t>    print("Access granted")</a:t>
-            </a:r>
-          </a:p>
-          <a:p>
-            <a:pPr lvl="1" algn="just">
-              <a:lnSpc>
-                <a:spcPct val="90000"/>
-              </a:lnSpc>
-            </a:pPr>
-            <a:r>
-              <a:rPr lang="en-US" dirty="0">
-                <a:solidFill>
-                  <a:schemeClr val="tx1"/>
-                </a:solidFill>
-              </a:rPr>
-              <a:t>else:</a:t>
-            </a:r>
-          </a:p>
-          <a:p>
-            <a:pPr lvl="1" algn="just">
-              <a:lnSpc>
-                <a:spcPct val="90000"/>
-              </a:lnSpc>
-            </a:pPr>
-            <a:r>
-              <a:rPr lang="en-US" dirty="0">
-                <a:solidFill>
-                  <a:schemeClr val="tx1"/>
-                </a:solidFill>
-              </a:rPr>
-              <a:t>    print("Access denied")</a:t>
+              <a:t>       Output: Try again!</a:t>
             </a:r>
           </a:p>
         </p:txBody>
@@ -10419,7 +10440,7 @@
     </p:spTree>
     <p:extLst>
       <p:ext uri="{BB962C8B-B14F-4D97-AF65-F5344CB8AC3E}">
-        <p14:creationId xmlns:p14="http://schemas.microsoft.com/office/powerpoint/2010/main" val="1248113206"/>
+        <p14:creationId xmlns:p14="http://schemas.microsoft.com/office/powerpoint/2010/main" val="3055361954"/>
       </p:ext>
     </p:extLst>
   </p:cSld>
@@ -10474,7 +10495,7 @@
           <a:p>
             <a:r>
               <a:rPr lang="en-US" sz="4800" dirty="0"/>
-              <a:t>Recap</a:t>
+              <a:t>Practical Exercise 4</a:t>
             </a:r>
             <a:endParaRPr lang="en-US" dirty="0"/>
           </a:p>
@@ -10592,8 +10613,8 @@
         </p:nvSpPr>
         <p:spPr>
           <a:xfrm>
-            <a:off x="2589212" y="2625968"/>
-            <a:ext cx="7211280" cy="3994699"/>
+            <a:off x="2589212" y="2166426"/>
+            <a:ext cx="7211280" cy="4454242"/>
           </a:xfrm>
         </p:spPr>
         <p:txBody>
@@ -10615,7 +10636,7 @@
                   <a:schemeClr val="tx1"/>
                 </a:solidFill>
               </a:rPr>
-              <a:t>Quick summary of all topics covered:</a:t>
+              <a:t>Title: Password Check</a:t>
             </a:r>
           </a:p>
           <a:p>
@@ -10632,11 +10653,23 @@
                   <a:schemeClr val="tx1"/>
                 </a:solidFill>
               </a:rPr>
-              <a:t>Conditional Statements</a:t>
-            </a:r>
-          </a:p>
-          <a:p>
-            <a:pPr marL="342900" indent="-342900" algn="just">
+              <a:t>Write a program that asks the user to enter a password. If the password matches the predefined password, print "Access granted". If it does not match, print "Access denied".</a:t>
+            </a:r>
+          </a:p>
+          <a:p>
+            <a:pPr algn="just">
+              <a:lnSpc>
+                <a:spcPct val="90000"/>
+              </a:lnSpc>
+            </a:pPr>
+            <a:endParaRPr lang="en-US" dirty="0">
+              <a:solidFill>
+                <a:schemeClr val="tx1"/>
+              </a:solidFill>
+            </a:endParaRPr>
+          </a:p>
+          <a:p>
+            <a:pPr marL="800100" lvl="1" indent="-342900" algn="just">
               <a:lnSpc>
                 <a:spcPct val="90000"/>
               </a:lnSpc>
@@ -10649,11 +10682,38 @@
                   <a:schemeClr val="tx1"/>
                 </a:solidFill>
               </a:rPr>
-              <a:t>If-Else Constructs</a:t>
-            </a:r>
-          </a:p>
-          <a:p>
-            <a:pPr marL="342900" indent="-342900" algn="just">
+              <a:t>Input1: Enter the password: python123 </a:t>
+            </a:r>
+          </a:p>
+          <a:p>
+            <a:pPr lvl="1" algn="just">
+              <a:lnSpc>
+                <a:spcPct val="90000"/>
+              </a:lnSpc>
+            </a:pPr>
+            <a:r>
+              <a:rPr lang="en-US" dirty="0">
+                <a:solidFill>
+                  <a:schemeClr val="tx1"/>
+                </a:solidFill>
+              </a:rPr>
+              <a:t>      Output: Access granted </a:t>
+            </a:r>
+          </a:p>
+          <a:p>
+            <a:pPr lvl="1" algn="just">
+              <a:lnSpc>
+                <a:spcPct val="90000"/>
+              </a:lnSpc>
+            </a:pPr>
+            <a:endParaRPr lang="en-US" dirty="0">
+              <a:solidFill>
+                <a:schemeClr val="tx1"/>
+              </a:solidFill>
+            </a:endParaRPr>
+          </a:p>
+          <a:p>
+            <a:pPr marL="800100" lvl="1" indent="-342900" algn="just">
               <a:lnSpc>
                 <a:spcPct val="90000"/>
               </a:lnSpc>
@@ -10661,29 +10721,19 @@
               <a:buChar char=""/>
             </a:pPr>
             <a:r>
-              <a:rPr lang="en-US" dirty="0" err="1">
+              <a:rPr lang="en-US" dirty="0">
                 <a:solidFill>
                   <a:schemeClr val="tx1"/>
                 </a:solidFill>
               </a:rPr>
-              <a:t>Elif</a:t>
-            </a:r>
-            <a:r>
-              <a:rPr lang="en-US" dirty="0">
-                <a:solidFill>
-                  <a:schemeClr val="tx1"/>
-                </a:solidFill>
-              </a:rPr>
-              <a:t> and Nested If Statements</a:t>
-            </a:r>
-          </a:p>
-          <a:p>
-            <a:pPr marL="342900" indent="-342900" algn="just">
+              <a:t>Input2: Enter the password: wrong12password</a:t>
+            </a:r>
+          </a:p>
+          <a:p>
+            <a:pPr lvl="1" algn="just">
               <a:lnSpc>
                 <a:spcPct val="90000"/>
               </a:lnSpc>
-              <a:buFont typeface="Wingdings 3" charset="2"/>
-              <a:buChar char=""/>
             </a:pPr>
             <a:r>
               <a:rPr lang="en-US" dirty="0">
@@ -10691,7 +10741,7 @@
                   <a:schemeClr val="tx1"/>
                 </a:solidFill>
               </a:rPr>
-              <a:t>Practical Examples</a:t>
+              <a:t>      Output: Access denied</a:t>
             </a:r>
           </a:p>
         </p:txBody>
@@ -10699,7 +10749,7 @@
     </p:spTree>
     <p:extLst>
       <p:ext uri="{BB962C8B-B14F-4D97-AF65-F5344CB8AC3E}">
-        <p14:creationId xmlns:p14="http://schemas.microsoft.com/office/powerpoint/2010/main" val="1479168490"/>
+        <p14:creationId xmlns:p14="http://schemas.microsoft.com/office/powerpoint/2010/main" val="1248113206"/>
       </p:ext>
     </p:extLst>
   </p:cSld>
@@ -10731,7 +10781,7 @@
           <p:cNvPr id="2" name="Title 1">
             <a:extLst>
               <a:ext uri="{FF2B5EF4-FFF2-40B4-BE49-F238E27FC236}">
-                <a16:creationId xmlns:a16="http://schemas.microsoft.com/office/drawing/2014/main" id="{A4491372-A469-A67B-7019-CFDF8AEDE0B2}"/>
+                <a16:creationId xmlns:a16="http://schemas.microsoft.com/office/drawing/2014/main" id="{60D8BCA0-73B7-2564-3C47-800915862F5C}"/>
               </a:ext>
             </a:extLst>
           </p:cNvPr>
@@ -10744,30 +10794,28 @@
         </p:nvSpPr>
         <p:spPr>
           <a:xfrm>
-            <a:off x="2265656" y="2418246"/>
-            <a:ext cx="8482061" cy="1675454"/>
+            <a:off x="2589213" y="1"/>
+            <a:ext cx="8915399" cy="1899138"/>
           </a:xfrm>
         </p:spPr>
         <p:txBody>
-          <a:bodyPr>
-            <a:normAutofit/>
-          </a:bodyPr>
-          <a:lstStyle/>
-          <a:p>
-            <a:pPr algn="ctr"/>
-            <a:r>
-              <a:rPr lang="en-US" sz="6000" b="1" dirty="0"/>
-              <a:t>Any Question?</a:t>
-            </a:r>
-          </a:p>
-        </p:txBody>
-      </p:sp>
-      <p:sp>
-        <p:nvSpPr>
-          <p:cNvPr id="6" name="Slide Number Placeholder 5">
+          <a:bodyPr/>
+          <a:lstStyle/>
+          <a:p>
+            <a:r>
+              <a:rPr lang="en-US" sz="4800" dirty="0"/>
+              <a:t>Practical Exercise 5</a:t>
+            </a:r>
+            <a:endParaRPr lang="en-US" dirty="0"/>
+          </a:p>
+        </p:txBody>
+      </p:sp>
+      <p:sp>
+        <p:nvSpPr>
+          <p:cNvPr id="4" name="Slide Number Placeholder 3">
             <a:extLst>
               <a:ext uri="{FF2B5EF4-FFF2-40B4-BE49-F238E27FC236}">
-                <a16:creationId xmlns:a16="http://schemas.microsoft.com/office/drawing/2014/main" id="{434C88C4-2BBD-DFDE-C408-010FACA636DC}"/>
+                <a16:creationId xmlns:a16="http://schemas.microsoft.com/office/drawing/2014/main" id="{4DF6CDA2-7907-F303-49B4-66850F338D2C}"/>
               </a:ext>
             </a:extLst>
           </p:cNvPr>
@@ -10791,185 +10839,12 @@
           </a:p>
         </p:txBody>
       </p:sp>
-    </p:spTree>
-    <p:extLst>
-      <p:ext uri="{BB962C8B-B14F-4D97-AF65-F5344CB8AC3E}">
-        <p14:creationId xmlns:p14="http://schemas.microsoft.com/office/powerpoint/2010/main" val="2038187295"/>
-      </p:ext>
-    </p:extLst>
-  </p:cSld>
-  <p:clrMapOvr>
-    <a:masterClrMapping/>
-  </p:clrMapOvr>
-</p:sld>
-</file>
-
-<file path=ppt/slides/slide19.xml><?xml version="1.0" encoding="utf-8"?>
-<p:sld xmlns:a="http://schemas.openxmlformats.org/drawingml/2006/main" xmlns:r="http://schemas.openxmlformats.org/officeDocument/2006/relationships" xmlns:p="http://schemas.openxmlformats.org/presentationml/2006/main">
-  <p:cSld>
-    <p:spTree>
-      <p:nvGrpSpPr>
-        <p:cNvPr id="1" name=""/>
-        <p:cNvGrpSpPr/>
-        <p:nvPr/>
-      </p:nvGrpSpPr>
-      <p:grpSpPr>
-        <a:xfrm>
-          <a:off x="0" y="0"/>
-          <a:ext cx="0" cy="0"/>
-          <a:chOff x="0" y="0"/>
-          <a:chExt cx="0" cy="0"/>
-        </a:xfrm>
-      </p:grpSpPr>
-      <p:sp>
-        <p:nvSpPr>
-          <p:cNvPr id="2" name="Title 1">
-            <a:extLst>
-              <a:ext uri="{FF2B5EF4-FFF2-40B4-BE49-F238E27FC236}">
-                <a16:creationId xmlns:a16="http://schemas.microsoft.com/office/drawing/2014/main" id="{360A7F2F-0EBA-244C-5D09-B81AF6A9F9B5}"/>
-              </a:ext>
-            </a:extLst>
-          </p:cNvPr>
-          <p:cNvSpPr>
-            <a:spLocks noGrp="1"/>
-          </p:cNvSpPr>
-          <p:nvPr>
-            <p:ph type="title"/>
-          </p:nvPr>
-        </p:nvSpPr>
-        <p:spPr>
-          <a:xfrm>
-            <a:off x="2592925" y="1158683"/>
-            <a:ext cx="8911687" cy="1280890"/>
-          </a:xfrm>
-        </p:spPr>
-        <p:txBody>
-          <a:bodyPr>
-            <a:normAutofit/>
-          </a:bodyPr>
-          <a:lstStyle/>
-          <a:p>
-            <a:r>
-              <a:rPr lang="en-US" sz="4800" dirty="0"/>
-              <a:t>References</a:t>
-            </a:r>
-          </a:p>
-        </p:txBody>
-      </p:sp>
-      <p:sp>
-        <p:nvSpPr>
-          <p:cNvPr id="3" name="Content Placeholder 2">
-            <a:extLst>
-              <a:ext uri="{FF2B5EF4-FFF2-40B4-BE49-F238E27FC236}">
-                <a16:creationId xmlns:a16="http://schemas.microsoft.com/office/drawing/2014/main" id="{6D72677F-B37F-817F-75D9-83B1845911BC}"/>
-              </a:ext>
-            </a:extLst>
-          </p:cNvPr>
-          <p:cNvSpPr>
-            <a:spLocks noGrp="1"/>
-          </p:cNvSpPr>
-          <p:nvPr>
-            <p:ph idx="1"/>
-          </p:nvPr>
-        </p:nvSpPr>
-        <p:spPr>
-          <a:xfrm>
-            <a:off x="2592925" y="2893255"/>
-            <a:ext cx="8915400" cy="3777622"/>
-          </a:xfrm>
-        </p:spPr>
-        <p:txBody>
-          <a:bodyPr/>
-          <a:lstStyle/>
-          <a:p>
-            <a:r>
-              <a:rPr lang="en-US" dirty="0">
-                <a:solidFill>
-                  <a:schemeClr val="tx1"/>
-                </a:solidFill>
-                <a:hlinkClick r:id="rId2">
-                  <a:extLst>
-                    <a:ext uri="{A12FA001-AC4F-418D-AE19-62706E023703}">
-                      <ahyp:hlinkClr xmlns:ahyp="http://schemas.microsoft.com/office/drawing/2018/hyperlinkcolor" val="tx"/>
-                    </a:ext>
-                  </a:extLst>
-                </a:hlinkClick>
-              </a:rPr>
-              <a:t>https://www.w3schools.com/python/</a:t>
-            </a:r>
-            <a:endParaRPr lang="en-US" dirty="0">
-              <a:solidFill>
-                <a:schemeClr val="tx1"/>
-              </a:solidFill>
-            </a:endParaRPr>
-          </a:p>
-          <a:p>
-            <a:r>
-              <a:rPr lang="en-US" dirty="0">
-                <a:solidFill>
-                  <a:schemeClr val="tx1"/>
-                </a:solidFill>
-                <a:hlinkClick r:id="rId3">
-                  <a:extLst>
-                    <a:ext uri="{A12FA001-AC4F-418D-AE19-62706E023703}">
-                      <ahyp:hlinkClr xmlns:ahyp="http://schemas.microsoft.com/office/drawing/2018/hyperlinkcolor" val="tx"/>
-                    </a:ext>
-                  </a:extLst>
-                </a:hlinkClick>
-              </a:rPr>
-              <a:t>https://www.tutorialspoint.com/python/</a:t>
-            </a:r>
-            <a:endParaRPr lang="en-US" dirty="0">
-              <a:solidFill>
-                <a:schemeClr val="tx1"/>
-              </a:solidFill>
-            </a:endParaRPr>
-          </a:p>
-          <a:p>
-            <a:endParaRPr lang="en-US" dirty="0">
-              <a:solidFill>
-                <a:schemeClr val="tx1"/>
-              </a:solidFill>
-            </a:endParaRPr>
-          </a:p>
-        </p:txBody>
-      </p:sp>
-      <p:sp>
-        <p:nvSpPr>
-          <p:cNvPr id="4" name="Slide Number Placeholder 3">
-            <a:extLst>
-              <a:ext uri="{FF2B5EF4-FFF2-40B4-BE49-F238E27FC236}">
-                <a16:creationId xmlns:a16="http://schemas.microsoft.com/office/drawing/2014/main" id="{0362D113-41FC-9F33-3603-A3CD62225191}"/>
-              </a:ext>
-            </a:extLst>
-          </p:cNvPr>
-          <p:cNvSpPr>
-            <a:spLocks noGrp="1"/>
-          </p:cNvSpPr>
-          <p:nvPr>
-            <p:ph type="sldNum" sz="quarter" idx="12"/>
-          </p:nvPr>
-        </p:nvSpPr>
-        <p:spPr/>
-        <p:txBody>
-          <a:bodyPr/>
-          <a:lstStyle/>
-          <a:p>
-            <a:fld id="{4FAB73BC-B049-4115-A692-8D63A059BFB8}" type="slidenum">
-              <a:rPr lang="en-US" smtClean="0"/>
-              <a:pPr/>
-              <a:t>19</a:t>
-            </a:fld>
-            <a:endParaRPr lang="en-US" dirty="0"/>
-          </a:p>
-        </p:txBody>
-      </p:sp>
       <p:sp>
         <p:nvSpPr>
           <p:cNvPr id="5" name="Rectangle 4">
             <a:extLst>
               <a:ext uri="{FF2B5EF4-FFF2-40B4-BE49-F238E27FC236}">
-                <a16:creationId xmlns:a16="http://schemas.microsoft.com/office/drawing/2014/main" id="{4938100C-AD33-A2C1-A738-36D643315EE9}"/>
+                <a16:creationId xmlns:a16="http://schemas.microsoft.com/office/drawing/2014/main" id="{711214A5-5904-6CF6-AB1B-9BCD448C4822}"/>
               </a:ext>
             </a:extLst>
           </p:cNvPr>
@@ -11029,10 +10904,214 @@
           </a:p>
         </p:txBody>
       </p:sp>
+      <p:sp>
+        <p:nvSpPr>
+          <p:cNvPr id="8" name="Subtitle 2">
+            <a:extLst>
+              <a:ext uri="{FF2B5EF4-FFF2-40B4-BE49-F238E27FC236}">
+                <a16:creationId xmlns:a16="http://schemas.microsoft.com/office/drawing/2014/main" id="{8596A50F-19B6-E0C4-4E0F-624D03993790}"/>
+              </a:ext>
+            </a:extLst>
+          </p:cNvPr>
+          <p:cNvSpPr>
+            <a:spLocks noGrp="1"/>
+          </p:cNvSpPr>
+          <p:nvPr>
+            <p:ph type="subTitle" idx="1"/>
+          </p:nvPr>
+        </p:nvSpPr>
+        <p:spPr>
+          <a:xfrm>
+            <a:off x="2589212" y="2166426"/>
+            <a:ext cx="9070976" cy="4454242"/>
+          </a:xfrm>
+        </p:spPr>
+        <p:txBody>
+          <a:bodyPr>
+            <a:normAutofit fontScale="92500" lnSpcReduction="10000"/>
+          </a:bodyPr>
+          <a:lstStyle/>
+          <a:p>
+            <a:pPr marL="342900" indent="-342900" algn="just">
+              <a:lnSpc>
+                <a:spcPct val="90000"/>
+              </a:lnSpc>
+              <a:buFont typeface="Wingdings 3" charset="2"/>
+              <a:buChar char=""/>
+            </a:pPr>
+            <a:r>
+              <a:rPr lang="en-US" dirty="0">
+                <a:solidFill>
+                  <a:schemeClr val="tx1"/>
+                </a:solidFill>
+              </a:rPr>
+              <a:t>Title: Leap year</a:t>
+            </a:r>
+          </a:p>
+          <a:p>
+            <a:pPr marL="342900" indent="-342900" algn="just">
+              <a:lnSpc>
+                <a:spcPct val="90000"/>
+              </a:lnSpc>
+              <a:buFont typeface="Wingdings 3" charset="2"/>
+              <a:buChar char=""/>
+            </a:pPr>
+            <a:r>
+              <a:rPr lang="en-US" dirty="0">
+                <a:solidFill>
+                  <a:schemeClr val="tx1"/>
+                </a:solidFill>
+              </a:rPr>
+              <a:t>Write a program that prompts the user to enter a year and checks if the year is a leap year. A year is a leap year if:</a:t>
+            </a:r>
+          </a:p>
+          <a:p>
+            <a:pPr marL="800100" lvl="1" indent="-342900" algn="just">
+              <a:lnSpc>
+                <a:spcPct val="90000"/>
+              </a:lnSpc>
+              <a:buFont typeface="Wingdings 3" charset="2"/>
+              <a:buChar char=""/>
+            </a:pPr>
+            <a:r>
+              <a:rPr lang="en-US" dirty="0">
+                <a:solidFill>
+                  <a:schemeClr val="tx1"/>
+                </a:solidFill>
+              </a:rPr>
+              <a:t>If a year is evenly divisible by 4 means having no remainder then go to the next step. If it is not divisible by 4. It is not a leap year. For example: 1997 is not a leap year.</a:t>
+            </a:r>
+          </a:p>
+          <a:p>
+            <a:pPr marL="800100" lvl="1" indent="-342900" algn="just">
+              <a:lnSpc>
+                <a:spcPct val="90000"/>
+              </a:lnSpc>
+              <a:buFont typeface="Wingdings 3" charset="2"/>
+              <a:buChar char=""/>
+            </a:pPr>
+            <a:r>
+              <a:rPr lang="en-US" dirty="0">
+                <a:solidFill>
+                  <a:schemeClr val="tx1"/>
+                </a:solidFill>
+              </a:rPr>
+              <a:t>If a year is divisible by 4, but not by 100. For example: 2012, is a leap year. If a year is divisible by both 4 and 100, go to the next step.</a:t>
+            </a:r>
+          </a:p>
+          <a:p>
+            <a:pPr marL="800100" lvl="1" indent="-342900" algn="just">
+              <a:lnSpc>
+                <a:spcPct val="90000"/>
+              </a:lnSpc>
+              <a:buFont typeface="Wingdings 3" charset="2"/>
+              <a:buChar char=""/>
+            </a:pPr>
+            <a:r>
+              <a:rPr lang="en-US" dirty="0">
+                <a:solidFill>
+                  <a:schemeClr val="tx1"/>
+                </a:solidFill>
+              </a:rPr>
+              <a:t>If a year is divisible by 100, but not by 400. For example: 1900, then it is not a leap year. If a year is divisible by both, then it is a leap year. So 2000 is a leap year.</a:t>
+            </a:r>
+          </a:p>
+          <a:p>
+            <a:pPr marL="800100" lvl="1" indent="-342900" algn="just">
+              <a:lnSpc>
+                <a:spcPct val="90000"/>
+              </a:lnSpc>
+              <a:buFont typeface="Wingdings 3" charset="2"/>
+              <a:buChar char=""/>
+            </a:pPr>
+            <a:endParaRPr lang="en-US" dirty="0">
+              <a:solidFill>
+                <a:schemeClr val="tx1"/>
+              </a:solidFill>
+            </a:endParaRPr>
+          </a:p>
+          <a:p>
+            <a:pPr marL="800100" lvl="1" indent="-342900" algn="just">
+              <a:lnSpc>
+                <a:spcPct val="90000"/>
+              </a:lnSpc>
+              <a:buFont typeface="Wingdings 3" charset="2"/>
+              <a:buChar char=""/>
+            </a:pPr>
+            <a:r>
+              <a:rPr lang="en-US" dirty="0">
+                <a:solidFill>
+                  <a:schemeClr val="tx1"/>
+                </a:solidFill>
+              </a:rPr>
+              <a:t>Input1: Enter a year: 2020      </a:t>
+            </a:r>
+          </a:p>
+          <a:p>
+            <a:pPr lvl="1" algn="just">
+              <a:lnSpc>
+                <a:spcPct val="90000"/>
+              </a:lnSpc>
+            </a:pPr>
+            <a:r>
+              <a:rPr lang="en-US" dirty="0">
+                <a:solidFill>
+                  <a:schemeClr val="tx1"/>
+                </a:solidFill>
+              </a:rPr>
+              <a:t>       Output: The year is a leap year.</a:t>
+            </a:r>
+          </a:p>
+          <a:p>
+            <a:pPr lvl="1" algn="just">
+              <a:lnSpc>
+                <a:spcPct val="90000"/>
+              </a:lnSpc>
+            </a:pPr>
+            <a:endParaRPr lang="en-US" dirty="0">
+              <a:solidFill>
+                <a:schemeClr val="tx1"/>
+              </a:solidFill>
+            </a:endParaRPr>
+          </a:p>
+          <a:p>
+            <a:pPr marL="800100" lvl="1" indent="-342900" algn="just">
+              <a:lnSpc>
+                <a:spcPct val="90000"/>
+              </a:lnSpc>
+              <a:buFont typeface="Wingdings 3" charset="2"/>
+              <a:buChar char=""/>
+            </a:pPr>
+            <a:r>
+              <a:rPr lang="en-US" dirty="0">
+                <a:solidFill>
+                  <a:schemeClr val="tx1"/>
+                </a:solidFill>
+              </a:rPr>
+              <a:t>Input2: Enter a year: 1900</a:t>
+            </a:r>
+          </a:p>
+          <a:p>
+            <a:pPr lvl="1" algn="just">
+              <a:lnSpc>
+                <a:spcPct val="90000"/>
+              </a:lnSpc>
+            </a:pPr>
+            <a:r>
+              <a:rPr lang="en-US" dirty="0">
+                <a:solidFill>
+                  <a:schemeClr val="tx1"/>
+                </a:solidFill>
+              </a:rPr>
+              <a:t>      Output: The year is not a leap year.</a:t>
+            </a:r>
+          </a:p>
+        </p:txBody>
+      </p:sp>
     </p:spTree>
     <p:extLst>
       <p:ext uri="{BB962C8B-B14F-4D97-AF65-F5344CB8AC3E}">
-        <p14:creationId xmlns:p14="http://schemas.microsoft.com/office/powerpoint/2010/main" val="2743174328"/>
+        <p14:creationId xmlns:p14="http://schemas.microsoft.com/office/powerpoint/2010/main" val="607112568"/>
       </p:ext>
     </p:extLst>
   </p:cSld>
@@ -11042,7 +11121,7 @@
 </p:sld>
 </file>
 
-<file path=ppt/slides/slide2.xml><?xml version="1.0" encoding="utf-8"?>
+<file path=ppt/slides/slide19.xml><?xml version="1.0" encoding="utf-8"?>
 <p:sld xmlns:a="http://schemas.openxmlformats.org/drawingml/2006/main" xmlns:r="http://schemas.openxmlformats.org/officeDocument/2006/relationships" xmlns:p="http://schemas.openxmlformats.org/presentationml/2006/main">
   <p:cSld>
     <p:spTree>
@@ -11064,7 +11143,7 @@
           <p:cNvPr id="2" name="Title 1">
             <a:extLst>
               <a:ext uri="{FF2B5EF4-FFF2-40B4-BE49-F238E27FC236}">
-                <a16:creationId xmlns:a16="http://schemas.microsoft.com/office/drawing/2014/main" id="{C2ADCE4F-8711-054A-FC39-930C853F030A}"/>
+                <a16:creationId xmlns:a16="http://schemas.microsoft.com/office/drawing/2014/main" id="{60D8BCA0-73B7-2564-3C47-800915862F5C}"/>
               </a:ext>
             </a:extLst>
           </p:cNvPr>
@@ -11077,29 +11156,28 @@
         </p:nvSpPr>
         <p:spPr>
           <a:xfrm>
-            <a:off x="2589213" y="390378"/>
-            <a:ext cx="8915399" cy="1348381"/>
+            <a:off x="2589213" y="1"/>
+            <a:ext cx="8915399" cy="1899138"/>
           </a:xfrm>
         </p:spPr>
         <p:txBody>
-          <a:bodyPr>
-            <a:normAutofit/>
-          </a:bodyPr>
-          <a:lstStyle/>
-          <a:p>
-            <a:r>
-              <a:rPr lang="en-US" sz="4400" dirty="0"/>
-              <a:t>Today’s Learning Objectives </a:t>
-            </a:r>
-          </a:p>
-        </p:txBody>
-      </p:sp>
-      <p:sp>
-        <p:nvSpPr>
-          <p:cNvPr id="3" name="Subtitle 2">
+          <a:bodyPr/>
+          <a:lstStyle/>
+          <a:p>
+            <a:r>
+              <a:rPr lang="en-US" sz="4800" dirty="0"/>
+              <a:t>Recap</a:t>
+            </a:r>
+            <a:endParaRPr lang="en-US" dirty="0"/>
+          </a:p>
+        </p:txBody>
+      </p:sp>
+      <p:sp>
+        <p:nvSpPr>
+          <p:cNvPr id="4" name="Slide Number Placeholder 3">
             <a:extLst>
               <a:ext uri="{FF2B5EF4-FFF2-40B4-BE49-F238E27FC236}">
-                <a16:creationId xmlns:a16="http://schemas.microsoft.com/office/drawing/2014/main" id="{EE9A45A3-70B4-116F-D677-98AEE1B2E788}"/>
+                <a16:creationId xmlns:a16="http://schemas.microsoft.com/office/drawing/2014/main" id="{4DF6CDA2-7907-F303-49B4-66850F338D2C}"/>
               </a:ext>
             </a:extLst>
           </p:cNvPr>
@@ -11107,119 +11185,28 @@
             <a:spLocks noGrp="1"/>
           </p:cNvSpPr>
           <p:nvPr>
-            <p:ph type="subTitle" idx="1"/>
-          </p:nvPr>
-        </p:nvSpPr>
-        <p:spPr>
-          <a:xfrm>
-            <a:off x="2589212" y="2335588"/>
-            <a:ext cx="4163280" cy="2216135"/>
-          </a:xfrm>
-        </p:spPr>
-        <p:txBody>
-          <a:bodyPr>
-            <a:normAutofit/>
-          </a:bodyPr>
-          <a:lstStyle/>
-          <a:p>
-            <a:pPr marL="342900" indent="-342900">
-              <a:buFont typeface="Wingdings 3" charset="2"/>
-              <a:buChar char=""/>
-            </a:pPr>
-            <a:endParaRPr lang="en-US" sz="2000" dirty="0">
-              <a:solidFill>
-                <a:schemeClr val="tx1">
-                  <a:lumMod val="75000"/>
-                  <a:lumOff val="25000"/>
-                </a:schemeClr>
-              </a:solidFill>
-            </a:endParaRPr>
-          </a:p>
-          <a:p>
-            <a:pPr marL="342900" indent="-342900">
-              <a:buFont typeface="Wingdings 3" charset="2"/>
-              <a:buChar char=""/>
-            </a:pPr>
-            <a:r>
-              <a:rPr lang="en-US" sz="2000" dirty="0">
-                <a:solidFill>
-                  <a:schemeClr val="tx1">
-                    <a:lumMod val="75000"/>
-                    <a:lumOff val="25000"/>
-                  </a:schemeClr>
-                </a:solidFill>
-              </a:rPr>
-              <a:t>Conditional Statements</a:t>
-            </a:r>
-          </a:p>
-          <a:p>
-            <a:pPr marL="342900" indent="-342900">
-              <a:buFont typeface="Wingdings 3" charset="2"/>
-              <a:buChar char=""/>
-            </a:pPr>
-            <a:r>
-              <a:rPr lang="en-US" sz="2000" dirty="0">
-                <a:solidFill>
-                  <a:schemeClr val="tx1">
-                    <a:lumMod val="75000"/>
-                    <a:lumOff val="25000"/>
-                  </a:schemeClr>
-                </a:solidFill>
-              </a:rPr>
-              <a:t>If-Else Constructs</a:t>
-            </a:r>
-          </a:p>
-          <a:p>
-            <a:pPr marL="342900" indent="-342900">
-              <a:buFont typeface="Wingdings 3" charset="2"/>
-              <a:buChar char=""/>
-            </a:pPr>
-            <a:endParaRPr lang="en-US" sz="2000" dirty="0">
-              <a:solidFill>
-                <a:schemeClr val="tx1">
-                  <a:lumMod val="75000"/>
-                  <a:lumOff val="25000"/>
-                </a:schemeClr>
-              </a:solidFill>
-            </a:endParaRPr>
-          </a:p>
-        </p:txBody>
-      </p:sp>
-      <p:sp>
-        <p:nvSpPr>
-          <p:cNvPr id="5" name="Slide Number Placeholder 4">
+            <p:ph type="sldNum" sz="quarter" idx="12"/>
+          </p:nvPr>
+        </p:nvSpPr>
+        <p:spPr/>
+        <p:txBody>
+          <a:bodyPr/>
+          <a:lstStyle/>
+          <a:p>
+            <a:fld id="{1BA2F5C7-AA4C-441B-82CF-BB169A0AFBE6}" type="slidenum">
+              <a:rPr lang="en-US" smtClean="0"/>
+              <a:t>19</a:t>
+            </a:fld>
+            <a:endParaRPr lang="en-US"/>
+          </a:p>
+        </p:txBody>
+      </p:sp>
+      <p:sp>
+        <p:nvSpPr>
+          <p:cNvPr id="5" name="Rectangle 4">
             <a:extLst>
               <a:ext uri="{FF2B5EF4-FFF2-40B4-BE49-F238E27FC236}">
-                <a16:creationId xmlns:a16="http://schemas.microsoft.com/office/drawing/2014/main" id="{AC0A4AE7-378D-71F6-2878-44B8D688F27F}"/>
-              </a:ext>
-            </a:extLst>
-          </p:cNvPr>
-          <p:cNvSpPr>
-            <a:spLocks noGrp="1"/>
-          </p:cNvSpPr>
-          <p:nvPr>
-            <p:ph type="sldNum" sz="quarter" idx="12"/>
-          </p:nvPr>
-        </p:nvSpPr>
-        <p:spPr/>
-        <p:txBody>
-          <a:bodyPr/>
-          <a:lstStyle/>
-          <a:p>
-            <a:fld id="{1BA2F5C7-AA4C-441B-82CF-BB169A0AFBE6}" type="slidenum">
-              <a:rPr lang="en-US" smtClean="0"/>
-              <a:t>2</a:t>
-            </a:fld>
-            <a:endParaRPr lang="en-US"/>
-          </a:p>
-        </p:txBody>
-      </p:sp>
-      <p:sp>
-        <p:nvSpPr>
-          <p:cNvPr id="6" name="Rectangle 5">
-            <a:extLst>
-              <a:ext uri="{FF2B5EF4-FFF2-40B4-BE49-F238E27FC236}">
-                <a16:creationId xmlns:a16="http://schemas.microsoft.com/office/drawing/2014/main" id="{C23FD7F6-4076-4F3C-D27E-96E7E9512122}"/>
+                <a16:creationId xmlns:a16="http://schemas.microsoft.com/office/drawing/2014/main" id="{711214A5-5904-6CF6-AB1B-9BCD448C4822}"/>
               </a:ext>
             </a:extLst>
           </p:cNvPr>
@@ -11279,10 +11266,115 @@
           </a:p>
         </p:txBody>
       </p:sp>
+      <p:sp>
+        <p:nvSpPr>
+          <p:cNvPr id="8" name="Subtitle 2">
+            <a:extLst>
+              <a:ext uri="{FF2B5EF4-FFF2-40B4-BE49-F238E27FC236}">
+                <a16:creationId xmlns:a16="http://schemas.microsoft.com/office/drawing/2014/main" id="{8596A50F-19B6-E0C4-4E0F-624D03993790}"/>
+              </a:ext>
+            </a:extLst>
+          </p:cNvPr>
+          <p:cNvSpPr>
+            <a:spLocks noGrp="1"/>
+          </p:cNvSpPr>
+          <p:nvPr>
+            <p:ph type="subTitle" idx="1"/>
+          </p:nvPr>
+        </p:nvSpPr>
+        <p:spPr>
+          <a:xfrm>
+            <a:off x="2589212" y="2625968"/>
+            <a:ext cx="7211280" cy="3994699"/>
+          </a:xfrm>
+        </p:spPr>
+        <p:txBody>
+          <a:bodyPr>
+            <a:normAutofit/>
+          </a:bodyPr>
+          <a:lstStyle/>
+          <a:p>
+            <a:pPr marL="342900" indent="-342900" algn="just">
+              <a:lnSpc>
+                <a:spcPct val="90000"/>
+              </a:lnSpc>
+              <a:buFont typeface="Wingdings 3" charset="2"/>
+              <a:buChar char=""/>
+            </a:pPr>
+            <a:r>
+              <a:rPr lang="en-US" dirty="0">
+                <a:solidFill>
+                  <a:schemeClr val="tx1"/>
+                </a:solidFill>
+              </a:rPr>
+              <a:t>Conditional Statements</a:t>
+            </a:r>
+          </a:p>
+          <a:p>
+            <a:pPr marL="342900" indent="-342900" algn="just">
+              <a:lnSpc>
+                <a:spcPct val="90000"/>
+              </a:lnSpc>
+              <a:buFont typeface="Wingdings 3" charset="2"/>
+              <a:buChar char=""/>
+            </a:pPr>
+            <a:r>
+              <a:rPr lang="en-US" dirty="0">
+                <a:solidFill>
+                  <a:schemeClr val="tx1"/>
+                </a:solidFill>
+              </a:rPr>
+              <a:t>If-Else Constructs</a:t>
+            </a:r>
+          </a:p>
+          <a:p>
+            <a:pPr marL="342900" indent="-342900" algn="just">
+              <a:lnSpc>
+                <a:spcPct val="90000"/>
+              </a:lnSpc>
+              <a:buFont typeface="Wingdings 3" charset="2"/>
+              <a:buChar char=""/>
+            </a:pPr>
+            <a:r>
+              <a:rPr lang="en-US" dirty="0" err="1">
+                <a:solidFill>
+                  <a:schemeClr val="tx1"/>
+                </a:solidFill>
+              </a:rPr>
+              <a:t>Elif</a:t>
+            </a:r>
+            <a:r>
+              <a:rPr lang="en-US" dirty="0">
+                <a:solidFill>
+                  <a:schemeClr val="tx1"/>
+                </a:solidFill>
+              </a:rPr>
+              <a:t> and Nested If Statements</a:t>
+            </a:r>
+          </a:p>
+          <a:p>
+            <a:pPr marL="342900" indent="-342900" algn="just">
+              <a:lnSpc>
+                <a:spcPct val="90000"/>
+              </a:lnSpc>
+              <a:buFont typeface="Wingdings 3" charset="2"/>
+              <a:buChar char=""/>
+            </a:pPr>
+            <a:r>
+              <a:rPr lang="en-US" dirty="0">
+                <a:solidFill>
+                  <a:schemeClr val="tx1"/>
+                </a:solidFill>
+              </a:rPr>
+              <a:t>Practical Examples</a:t>
+            </a:r>
+          </a:p>
+        </p:txBody>
+      </p:sp>
     </p:spTree>
     <p:extLst>
       <p:ext uri="{BB962C8B-B14F-4D97-AF65-F5344CB8AC3E}">
-        <p14:creationId xmlns:p14="http://schemas.microsoft.com/office/powerpoint/2010/main" val="3659517946"/>
+        <p14:creationId xmlns:p14="http://schemas.microsoft.com/office/powerpoint/2010/main" val="1479168490"/>
       </p:ext>
     </p:extLst>
   </p:cSld>
@@ -11292,7 +11384,7 @@
 </p:sld>
 </file>
 
-<file path=ppt/slides/slide3.xml><?xml version="1.0" encoding="utf-8"?>
+<file path=ppt/slides/slide2.xml><?xml version="1.0" encoding="utf-8"?>
 <p:sld xmlns:a="http://schemas.openxmlformats.org/drawingml/2006/main" xmlns:r="http://schemas.openxmlformats.org/officeDocument/2006/relationships" xmlns:p="http://schemas.openxmlformats.org/presentationml/2006/main">
   <p:cSld>
     <p:spTree>
@@ -11314,7 +11406,7 @@
           <p:cNvPr id="2" name="Title 1">
             <a:extLst>
               <a:ext uri="{FF2B5EF4-FFF2-40B4-BE49-F238E27FC236}">
-                <a16:creationId xmlns:a16="http://schemas.microsoft.com/office/drawing/2014/main" id="{60D8BCA0-73B7-2564-3C47-800915862F5C}"/>
+                <a16:creationId xmlns:a16="http://schemas.microsoft.com/office/drawing/2014/main" id="{C2ADCE4F-8711-054A-FC39-930C853F030A}"/>
               </a:ext>
             </a:extLst>
           </p:cNvPr>
@@ -11327,8 +11419,8 @@
         </p:nvSpPr>
         <p:spPr>
           <a:xfrm>
-            <a:off x="2110155" y="0"/>
-            <a:ext cx="10081846" cy="2262781"/>
+            <a:off x="2589213" y="390378"/>
+            <a:ext cx="8915399" cy="1348381"/>
           </a:xfrm>
         </p:spPr>
         <p:txBody>
@@ -11339,17 +11431,17 @@
           <a:p>
             <a:r>
               <a:rPr lang="en-US" sz="4400" dirty="0"/>
-              <a:t>What are Conditional Statements?</a:t>
-            </a:r>
-          </a:p>
-        </p:txBody>
-      </p:sp>
-      <p:sp>
-        <p:nvSpPr>
-          <p:cNvPr id="4" name="Slide Number Placeholder 3">
+              <a:t>Today’s Learning Objectives </a:t>
+            </a:r>
+          </a:p>
+        </p:txBody>
+      </p:sp>
+      <p:sp>
+        <p:nvSpPr>
+          <p:cNvPr id="3" name="Subtitle 2">
             <a:extLst>
               <a:ext uri="{FF2B5EF4-FFF2-40B4-BE49-F238E27FC236}">
-                <a16:creationId xmlns:a16="http://schemas.microsoft.com/office/drawing/2014/main" id="{4DF6CDA2-7907-F303-49B4-66850F338D2C}"/>
+                <a16:creationId xmlns:a16="http://schemas.microsoft.com/office/drawing/2014/main" id="{EE9A45A3-70B4-116F-D677-98AEE1B2E788}"/>
               </a:ext>
             </a:extLst>
           </p:cNvPr>
@@ -11357,6 +11449,145 @@
             <a:spLocks noGrp="1"/>
           </p:cNvSpPr>
           <p:nvPr>
+            <p:ph type="subTitle" idx="1"/>
+          </p:nvPr>
+        </p:nvSpPr>
+        <p:spPr>
+          <a:xfrm>
+            <a:off x="2589212" y="2335588"/>
+            <a:ext cx="4163280" cy="2216135"/>
+          </a:xfrm>
+        </p:spPr>
+        <p:txBody>
+          <a:bodyPr>
+            <a:normAutofit/>
+          </a:bodyPr>
+          <a:lstStyle/>
+          <a:p>
+            <a:pPr marL="342900" indent="-342900">
+              <a:buFont typeface="Wingdings 3" charset="2"/>
+              <a:buChar char=""/>
+            </a:pPr>
+            <a:endParaRPr lang="en-US" sz="2000" dirty="0">
+              <a:solidFill>
+                <a:schemeClr val="tx1">
+                  <a:lumMod val="75000"/>
+                  <a:lumOff val="25000"/>
+                </a:schemeClr>
+              </a:solidFill>
+            </a:endParaRPr>
+          </a:p>
+          <a:p>
+            <a:pPr marL="342900" indent="-342900">
+              <a:buFont typeface="Wingdings 3" charset="2"/>
+              <a:buChar char=""/>
+            </a:pPr>
+            <a:r>
+              <a:rPr lang="en-US" sz="2000" dirty="0">
+                <a:solidFill>
+                  <a:schemeClr val="tx1">
+                    <a:lumMod val="75000"/>
+                    <a:lumOff val="25000"/>
+                  </a:schemeClr>
+                </a:solidFill>
+              </a:rPr>
+              <a:t>Decision Making</a:t>
+            </a:r>
+          </a:p>
+          <a:p>
+            <a:pPr marL="342900" indent="-342900">
+              <a:buFont typeface="Wingdings 3" charset="2"/>
+              <a:buChar char=""/>
+            </a:pPr>
+            <a:r>
+              <a:rPr lang="en-US" sz="2000" dirty="0">
+                <a:solidFill>
+                  <a:schemeClr val="tx1">
+                    <a:lumMod val="75000"/>
+                    <a:lumOff val="25000"/>
+                  </a:schemeClr>
+                </a:solidFill>
+              </a:rPr>
+              <a:t>Conditional Statements</a:t>
+            </a:r>
+          </a:p>
+          <a:p>
+            <a:pPr marL="342900" indent="-342900">
+              <a:buFont typeface="Wingdings 3" charset="2"/>
+              <a:buChar char=""/>
+            </a:pPr>
+            <a:r>
+              <a:rPr lang="en-US" sz="2000" dirty="0">
+                <a:solidFill>
+                  <a:schemeClr val="tx1">
+                    <a:lumMod val="75000"/>
+                    <a:lumOff val="25000"/>
+                  </a:schemeClr>
+                </a:solidFill>
+              </a:rPr>
+              <a:t>If-Else Constructs</a:t>
+            </a:r>
+          </a:p>
+          <a:p>
+            <a:pPr marL="342900" indent="-342900">
+              <a:buFont typeface="Wingdings 3" charset="2"/>
+              <a:buChar char=""/>
+            </a:pPr>
+            <a:r>
+              <a:rPr lang="en-US" sz="2000" dirty="0">
+                <a:solidFill>
+                  <a:schemeClr val="tx1">
+                    <a:lumMod val="75000"/>
+                    <a:lumOff val="25000"/>
+                  </a:schemeClr>
+                </a:solidFill>
+              </a:rPr>
+              <a:t>Practical Exercises</a:t>
+            </a:r>
+          </a:p>
+          <a:p>
+            <a:pPr marL="342900" indent="-342900">
+              <a:buFont typeface="Wingdings 3" charset="2"/>
+              <a:buChar char=""/>
+            </a:pPr>
+            <a:endParaRPr lang="en-US" sz="2000" dirty="0">
+              <a:solidFill>
+                <a:schemeClr val="tx1">
+                  <a:lumMod val="75000"/>
+                  <a:lumOff val="25000"/>
+                </a:schemeClr>
+              </a:solidFill>
+            </a:endParaRPr>
+          </a:p>
+          <a:p>
+            <a:pPr marL="342900" indent="-342900">
+              <a:buFont typeface="Wingdings 3" charset="2"/>
+              <a:buChar char=""/>
+            </a:pPr>
+            <a:endParaRPr lang="en-US" sz="2000" dirty="0">
+              <a:solidFill>
+                <a:schemeClr val="tx1">
+                  <a:lumMod val="75000"/>
+                  <a:lumOff val="25000"/>
+                </a:schemeClr>
+              </a:solidFill>
+            </a:endParaRPr>
+          </a:p>
+        </p:txBody>
+      </p:sp>
+      <p:sp>
+        <p:nvSpPr>
+          <p:cNvPr id="5" name="Slide Number Placeholder 4">
+            <a:extLst>
+              <a:ext uri="{FF2B5EF4-FFF2-40B4-BE49-F238E27FC236}">
+                <a16:creationId xmlns:a16="http://schemas.microsoft.com/office/drawing/2014/main" id="{AC0A4AE7-378D-71F6-2878-44B8D688F27F}"/>
+              </a:ext>
+            </a:extLst>
+          </p:cNvPr>
+          <p:cNvSpPr>
+            <a:spLocks noGrp="1"/>
+          </p:cNvSpPr>
+          <p:nvPr>
             <p:ph type="sldNum" sz="quarter" idx="12"/>
           </p:nvPr>
         </p:nvSpPr>
@@ -11367,7 +11598,7 @@
           <a:p>
             <a:fld id="{1BA2F5C7-AA4C-441B-82CF-BB169A0AFBE6}" type="slidenum">
               <a:rPr lang="en-US" smtClean="0"/>
-              <a:t>3</a:t>
+              <a:t>2</a:t>
             </a:fld>
             <a:endParaRPr lang="en-US"/>
           </a:p>
@@ -11375,10 +11606,10 @@
       </p:sp>
       <p:sp>
         <p:nvSpPr>
-          <p:cNvPr id="5" name="Rectangle 4">
+          <p:cNvPr id="6" name="Rectangle 5">
             <a:extLst>
               <a:ext uri="{FF2B5EF4-FFF2-40B4-BE49-F238E27FC236}">
-                <a16:creationId xmlns:a16="http://schemas.microsoft.com/office/drawing/2014/main" id="{711214A5-5904-6CF6-AB1B-9BCD448C4822}"/>
+                <a16:creationId xmlns:a16="http://schemas.microsoft.com/office/drawing/2014/main" id="{C23FD7F6-4076-4F3C-D27E-96E7E9512122}"/>
               </a:ext>
             </a:extLst>
           </p:cNvPr>
@@ -11438,121 +11669,10 @@
           </a:p>
         </p:txBody>
       </p:sp>
-      <p:sp>
-        <p:nvSpPr>
-          <p:cNvPr id="8" name="Subtitle 2">
-            <a:extLst>
-              <a:ext uri="{FF2B5EF4-FFF2-40B4-BE49-F238E27FC236}">
-                <a16:creationId xmlns:a16="http://schemas.microsoft.com/office/drawing/2014/main" id="{D039B883-E113-2317-EFFD-3AED1DE1EE0C}"/>
-              </a:ext>
-            </a:extLst>
-          </p:cNvPr>
-          <p:cNvSpPr>
-            <a:spLocks noGrp="1"/>
-          </p:cNvSpPr>
-          <p:nvPr>
-            <p:ph type="subTitle" idx="1"/>
-          </p:nvPr>
-        </p:nvSpPr>
-        <p:spPr>
-          <a:xfrm>
-            <a:off x="2589212" y="2623044"/>
-            <a:ext cx="7211280" cy="3691531"/>
-          </a:xfrm>
-        </p:spPr>
-        <p:txBody>
-          <a:bodyPr>
-            <a:normAutofit/>
-          </a:bodyPr>
-          <a:lstStyle/>
-          <a:p>
-            <a:pPr marL="342900" indent="-342900" algn="just">
-              <a:lnSpc>
-                <a:spcPct val="90000"/>
-              </a:lnSpc>
-              <a:buFont typeface="Wingdings 3" charset="2"/>
-              <a:buChar char=""/>
-            </a:pPr>
-            <a:r>
-              <a:rPr lang="en-US" dirty="0">
-                <a:solidFill>
-                  <a:schemeClr val="tx1"/>
-                </a:solidFill>
-              </a:rPr>
-              <a:t>Title: Introduction to Conditional Statements</a:t>
-            </a:r>
-          </a:p>
-          <a:p>
-            <a:pPr marL="342900" indent="-342900" algn="just">
-              <a:lnSpc>
-                <a:spcPct val="90000"/>
-              </a:lnSpc>
-              <a:buFont typeface="Wingdings 3" charset="2"/>
-              <a:buChar char=""/>
-            </a:pPr>
-            <a:r>
-              <a:rPr lang="en-US" dirty="0">
-                <a:solidFill>
-                  <a:schemeClr val="tx1"/>
-                </a:solidFill>
-              </a:rPr>
-              <a:t>Content:</a:t>
-            </a:r>
-          </a:p>
-          <a:p>
-            <a:pPr marL="342900" indent="-342900" algn="just">
-              <a:lnSpc>
-                <a:spcPct val="90000"/>
-              </a:lnSpc>
-              <a:buFont typeface="Wingdings 3" charset="2"/>
-              <a:buChar char=""/>
-            </a:pPr>
-            <a:endParaRPr lang="en-US" dirty="0">
-              <a:solidFill>
-                <a:schemeClr val="tx1"/>
-              </a:solidFill>
-            </a:endParaRPr>
-          </a:p>
-          <a:p>
-            <a:pPr marL="800100" lvl="1" indent="-342900" algn="just">
-              <a:lnSpc>
-                <a:spcPct val="90000"/>
-              </a:lnSpc>
-              <a:buFont typeface="Wingdings 3" charset="2"/>
-              <a:buChar char=""/>
-            </a:pPr>
-            <a:r>
-              <a:rPr lang="en-US" dirty="0">
-                <a:solidFill>
-                  <a:schemeClr val="tx1"/>
-                </a:solidFill>
-              </a:rPr>
-              <a:t>Definition: Instructions that only run when a certain condition is true.</a:t>
-            </a:r>
-          </a:p>
-          <a:p>
-            <a:pPr marL="800100" lvl="1" indent="-342900" algn="just">
-              <a:lnSpc>
-                <a:spcPct val="90000"/>
-              </a:lnSpc>
-              <a:buFont typeface="Wingdings 3" charset="2"/>
-              <a:buChar char=""/>
-            </a:pPr>
-            <a:r>
-              <a:rPr lang="en-US" dirty="0">
-                <a:solidFill>
-                  <a:schemeClr val="tx1"/>
-                </a:solidFill>
-              </a:rPr>
-              <a:t>Importance: Allows programs to make decisions and execute different code paths.</a:t>
-            </a:r>
-          </a:p>
-        </p:txBody>
-      </p:sp>
     </p:spTree>
     <p:extLst>
       <p:ext uri="{BB962C8B-B14F-4D97-AF65-F5344CB8AC3E}">
-        <p14:creationId xmlns:p14="http://schemas.microsoft.com/office/powerpoint/2010/main" val="270952857"/>
+        <p14:creationId xmlns:p14="http://schemas.microsoft.com/office/powerpoint/2010/main" val="3659517946"/>
       </p:ext>
     </p:extLst>
   </p:cSld>
@@ -11562,7 +11682,7 @@
 </p:sld>
 </file>
 
-<file path=ppt/slides/slide4.xml><?xml version="1.0" encoding="utf-8"?>
+<file path=ppt/slides/slide20.xml><?xml version="1.0" encoding="utf-8"?>
 <p:sld xmlns:a="http://schemas.openxmlformats.org/drawingml/2006/main" xmlns:r="http://schemas.openxmlformats.org/officeDocument/2006/relationships" xmlns:p="http://schemas.openxmlformats.org/presentationml/2006/main">
   <p:cSld>
     <p:spTree>
@@ -11584,7 +11704,7 @@
           <p:cNvPr id="2" name="Title 1">
             <a:extLst>
               <a:ext uri="{FF2B5EF4-FFF2-40B4-BE49-F238E27FC236}">
-                <a16:creationId xmlns:a16="http://schemas.microsoft.com/office/drawing/2014/main" id="{60D8BCA0-73B7-2564-3C47-800915862F5C}"/>
+                <a16:creationId xmlns:a16="http://schemas.microsoft.com/office/drawing/2014/main" id="{A4491372-A469-A67B-7019-CFDF8AEDE0B2}"/>
               </a:ext>
             </a:extLst>
           </p:cNvPr>
@@ -11597,19 +11717,193 @@
         </p:nvSpPr>
         <p:spPr>
           <a:xfrm>
-            <a:off x="2447779" y="0"/>
-            <a:ext cx="9056834" cy="2262781"/>
+            <a:off x="2265656" y="2418246"/>
+            <a:ext cx="8482061" cy="1675454"/>
           </a:xfrm>
         </p:spPr>
         <p:txBody>
+          <a:bodyPr>
+            <a:normAutofit/>
+          </a:bodyPr>
+          <a:lstStyle/>
+          <a:p>
+            <a:pPr algn="ctr"/>
+            <a:r>
+              <a:rPr lang="en-US" sz="6000" b="1" dirty="0"/>
+              <a:t>Any Question?</a:t>
+            </a:r>
+          </a:p>
+        </p:txBody>
+      </p:sp>
+      <p:sp>
+        <p:nvSpPr>
+          <p:cNvPr id="6" name="Slide Number Placeholder 5">
+            <a:extLst>
+              <a:ext uri="{FF2B5EF4-FFF2-40B4-BE49-F238E27FC236}">
+                <a16:creationId xmlns:a16="http://schemas.microsoft.com/office/drawing/2014/main" id="{434C88C4-2BBD-DFDE-C408-010FACA636DC}"/>
+              </a:ext>
+            </a:extLst>
+          </p:cNvPr>
+          <p:cNvSpPr>
+            <a:spLocks noGrp="1"/>
+          </p:cNvSpPr>
+          <p:nvPr>
+            <p:ph type="sldNum" sz="quarter" idx="12"/>
+          </p:nvPr>
+        </p:nvSpPr>
+        <p:spPr/>
+        <p:txBody>
           <a:bodyPr/>
           <a:lstStyle/>
           <a:p>
+            <a:fld id="{1BA2F5C7-AA4C-441B-82CF-BB169A0AFBE6}" type="slidenum">
+              <a:rPr lang="en-US" smtClean="0"/>
+              <a:t>20</a:t>
+            </a:fld>
+            <a:endParaRPr lang="en-US"/>
+          </a:p>
+        </p:txBody>
+      </p:sp>
+    </p:spTree>
+    <p:extLst>
+      <p:ext uri="{BB962C8B-B14F-4D97-AF65-F5344CB8AC3E}">
+        <p14:creationId xmlns:p14="http://schemas.microsoft.com/office/powerpoint/2010/main" val="2038187295"/>
+      </p:ext>
+    </p:extLst>
+  </p:cSld>
+  <p:clrMapOvr>
+    <a:masterClrMapping/>
+  </p:clrMapOvr>
+</p:sld>
+</file>
+
+<file path=ppt/slides/slide21.xml><?xml version="1.0" encoding="utf-8"?>
+<p:sld xmlns:a="http://schemas.openxmlformats.org/drawingml/2006/main" xmlns:r="http://schemas.openxmlformats.org/officeDocument/2006/relationships" xmlns:p="http://schemas.openxmlformats.org/presentationml/2006/main">
+  <p:cSld>
+    <p:spTree>
+      <p:nvGrpSpPr>
+        <p:cNvPr id="1" name=""/>
+        <p:cNvGrpSpPr/>
+        <p:nvPr/>
+      </p:nvGrpSpPr>
+      <p:grpSpPr>
+        <a:xfrm>
+          <a:off x="0" y="0"/>
+          <a:ext cx="0" cy="0"/>
+          <a:chOff x="0" y="0"/>
+          <a:chExt cx="0" cy="0"/>
+        </a:xfrm>
+      </p:grpSpPr>
+      <p:sp>
+        <p:nvSpPr>
+          <p:cNvPr id="2" name="Title 1">
+            <a:extLst>
+              <a:ext uri="{FF2B5EF4-FFF2-40B4-BE49-F238E27FC236}">
+                <a16:creationId xmlns:a16="http://schemas.microsoft.com/office/drawing/2014/main" id="{360A7F2F-0EBA-244C-5D09-B81AF6A9F9B5}"/>
+              </a:ext>
+            </a:extLst>
+          </p:cNvPr>
+          <p:cNvSpPr>
+            <a:spLocks noGrp="1"/>
+          </p:cNvSpPr>
+          <p:nvPr>
+            <p:ph type="title"/>
+          </p:nvPr>
+        </p:nvSpPr>
+        <p:spPr>
+          <a:xfrm>
+            <a:off x="2592925" y="1158683"/>
+            <a:ext cx="8911687" cy="1280890"/>
+          </a:xfrm>
+        </p:spPr>
+        <p:txBody>
+          <a:bodyPr>
+            <a:normAutofit/>
+          </a:bodyPr>
+          <a:lstStyle/>
+          <a:p>
             <a:r>
               <a:rPr lang="en-US" sz="4800" dirty="0"/>
-              <a:t>Simple If Statement</a:t>
-            </a:r>
-            <a:endParaRPr lang="en-US" dirty="0"/>
+              <a:t>References</a:t>
+            </a:r>
+          </a:p>
+        </p:txBody>
+      </p:sp>
+      <p:sp>
+        <p:nvSpPr>
+          <p:cNvPr id="3" name="Content Placeholder 2">
+            <a:extLst>
+              <a:ext uri="{FF2B5EF4-FFF2-40B4-BE49-F238E27FC236}">
+                <a16:creationId xmlns:a16="http://schemas.microsoft.com/office/drawing/2014/main" id="{6D72677F-B37F-817F-75D9-83B1845911BC}"/>
+              </a:ext>
+            </a:extLst>
+          </p:cNvPr>
+          <p:cNvSpPr>
+            <a:spLocks noGrp="1"/>
+          </p:cNvSpPr>
+          <p:nvPr>
+            <p:ph idx="1"/>
+          </p:nvPr>
+        </p:nvSpPr>
+        <p:spPr>
+          <a:xfrm>
+            <a:off x="2592925" y="2893255"/>
+            <a:ext cx="8915400" cy="3777622"/>
+          </a:xfrm>
+        </p:spPr>
+        <p:txBody>
+          <a:bodyPr/>
+          <a:lstStyle/>
+          <a:p>
+            <a:r>
+              <a:rPr lang="en-US" dirty="0">
+                <a:solidFill>
+                  <a:schemeClr val="tx1"/>
+                </a:solidFill>
+                <a:hlinkClick r:id="rId2">
+                  <a:extLst>
+                    <a:ext uri="{A12FA001-AC4F-418D-AE19-62706E023703}">
+                      <ahyp:hlinkClr xmlns:ahyp="http://schemas.microsoft.com/office/drawing/2018/hyperlinkcolor" val="tx"/>
+                    </a:ext>
+                  </a:extLst>
+                </a:hlinkClick>
+              </a:rPr>
+              <a:t>https://www.w3schools.com/python/</a:t>
+            </a:r>
+            <a:endParaRPr lang="en-US" dirty="0">
+              <a:solidFill>
+                <a:schemeClr val="tx1"/>
+              </a:solidFill>
+            </a:endParaRPr>
+          </a:p>
+          <a:p>
+            <a:r>
+              <a:rPr lang="en-US" dirty="0">
+                <a:solidFill>
+                  <a:schemeClr val="tx1"/>
+                </a:solidFill>
+                <a:hlinkClick r:id="rId3">
+                  <a:extLst>
+                    <a:ext uri="{A12FA001-AC4F-418D-AE19-62706E023703}">
+                      <ahyp:hlinkClr xmlns:ahyp="http://schemas.microsoft.com/office/drawing/2018/hyperlinkcolor" val="tx"/>
+                    </a:ext>
+                  </a:extLst>
+                </a:hlinkClick>
+              </a:rPr>
+              <a:t>https://www.tutorialspoint.com/python/</a:t>
+            </a:r>
+            <a:endParaRPr lang="en-US" dirty="0">
+              <a:solidFill>
+                <a:schemeClr val="tx1"/>
+              </a:solidFill>
+            </a:endParaRPr>
+          </a:p>
+          <a:p>
+            <a:endParaRPr lang="en-US" dirty="0">
+              <a:solidFill>
+                <a:schemeClr val="tx1"/>
+              </a:solidFill>
+            </a:endParaRPr>
           </a:p>
         </p:txBody>
       </p:sp>
@@ -11618,7 +11912,7 @@
           <p:cNvPr id="4" name="Slide Number Placeholder 3">
             <a:extLst>
               <a:ext uri="{FF2B5EF4-FFF2-40B4-BE49-F238E27FC236}">
-                <a16:creationId xmlns:a16="http://schemas.microsoft.com/office/drawing/2014/main" id="{4DF6CDA2-7907-F303-49B4-66850F338D2C}"/>
+                <a16:creationId xmlns:a16="http://schemas.microsoft.com/office/drawing/2014/main" id="{0362D113-41FC-9F33-3603-A3CD62225191}"/>
               </a:ext>
             </a:extLst>
           </p:cNvPr>
@@ -11634,11 +11928,12 @@
           <a:bodyPr/>
           <a:lstStyle/>
           <a:p>
-            <a:fld id="{1BA2F5C7-AA4C-441B-82CF-BB169A0AFBE6}" type="slidenum">
+            <a:fld id="{4FAB73BC-B049-4115-A692-8D63A059BFB8}" type="slidenum">
               <a:rPr lang="en-US" smtClean="0"/>
-              <a:t>4</a:t>
+              <a:pPr/>
+              <a:t>21</a:t>
             </a:fld>
-            <a:endParaRPr lang="en-US"/>
+            <a:endParaRPr lang="en-US" dirty="0"/>
           </a:p>
         </p:txBody>
       </p:sp>
@@ -11647,7 +11942,7 @@
           <p:cNvPr id="5" name="Rectangle 4">
             <a:extLst>
               <a:ext uri="{FF2B5EF4-FFF2-40B4-BE49-F238E27FC236}">
-                <a16:creationId xmlns:a16="http://schemas.microsoft.com/office/drawing/2014/main" id="{711214A5-5904-6CF6-AB1B-9BCD448C4822}"/>
+                <a16:creationId xmlns:a16="http://schemas.microsoft.com/office/drawing/2014/main" id="{4938100C-AD33-A2C1-A738-36D643315EE9}"/>
               </a:ext>
             </a:extLst>
           </p:cNvPr>
@@ -11707,111 +12002,10 @@
           </a:p>
         </p:txBody>
       </p:sp>
-      <p:sp>
-        <p:nvSpPr>
-          <p:cNvPr id="6" name="TextBox 5">
-            <a:extLst>
-              <a:ext uri="{FF2B5EF4-FFF2-40B4-BE49-F238E27FC236}">
-                <a16:creationId xmlns:a16="http://schemas.microsoft.com/office/drawing/2014/main" id="{8D0A51FC-CFAD-EC13-C530-A6DF14CAAC7F}"/>
-              </a:ext>
-            </a:extLst>
-          </p:cNvPr>
-          <p:cNvSpPr txBox="1"/>
-          <p:nvPr/>
-        </p:nvSpPr>
-        <p:spPr>
-          <a:xfrm>
-            <a:off x="3586416" y="2588443"/>
-            <a:ext cx="6096000" cy="4247317"/>
-          </a:xfrm>
-          <a:prstGeom prst="rect">
-            <a:avLst/>
-          </a:prstGeom>
-          <a:noFill/>
-        </p:spPr>
-        <p:txBody>
-          <a:bodyPr wrap="square">
-            <a:spAutoFit/>
-          </a:bodyPr>
-          <a:lstStyle/>
-          <a:p>
-            <a:r>
-              <a:rPr lang="en-US" dirty="0"/>
-              <a:t>Title: Simple If Statement</a:t>
-            </a:r>
-          </a:p>
-          <a:p>
-            <a:r>
-              <a:rPr lang="en-US" dirty="0"/>
-              <a:t>Content:</a:t>
-            </a:r>
-          </a:p>
-          <a:p>
-            <a:endParaRPr lang="en-US" dirty="0"/>
-          </a:p>
-          <a:p>
-            <a:r>
-              <a:rPr lang="en-US" dirty="0"/>
-              <a:t>Syntax:</a:t>
-            </a:r>
-          </a:p>
-          <a:p>
-            <a:endParaRPr lang="en-US" dirty="0"/>
-          </a:p>
-          <a:p>
-            <a:r>
-              <a:rPr lang="en-US" dirty="0"/>
-              <a:t>if condition:</a:t>
-            </a:r>
-          </a:p>
-          <a:p>
-            <a:r>
-              <a:rPr lang="en-US" dirty="0"/>
-              <a:t>    # code to execute if the condition is true</a:t>
-            </a:r>
-          </a:p>
-          <a:p>
-            <a:endParaRPr lang="en-US" dirty="0"/>
-          </a:p>
-          <a:p>
-            <a:r>
-              <a:rPr lang="en-US" dirty="0"/>
-              <a:t>Example: Check if a number is positive</a:t>
-            </a:r>
-          </a:p>
-          <a:p>
-            <a:endParaRPr lang="en-US" dirty="0"/>
-          </a:p>
-          <a:p>
-            <a:r>
-              <a:rPr lang="en-US" dirty="0"/>
-              <a:t>num = 5</a:t>
-            </a:r>
-          </a:p>
-          <a:p>
-            <a:r>
-              <a:rPr lang="en-US" dirty="0"/>
-              <a:t>if num &gt; 0:</a:t>
-            </a:r>
-          </a:p>
-          <a:p>
-            <a:r>
-              <a:rPr lang="en-US" dirty="0"/>
-              <a:t>    print("The number is positive")</a:t>
-            </a:r>
-          </a:p>
-          <a:p>
-            <a:endParaRPr lang="en-US" dirty="0"/>
-          </a:p>
-          <a:p>
-            <a:endParaRPr lang="en-US" dirty="0"/>
-          </a:p>
-        </p:txBody>
-      </p:sp>
     </p:spTree>
     <p:extLst>
       <p:ext uri="{BB962C8B-B14F-4D97-AF65-F5344CB8AC3E}">
-        <p14:creationId xmlns:p14="http://schemas.microsoft.com/office/powerpoint/2010/main" val="160868209"/>
+        <p14:creationId xmlns:p14="http://schemas.microsoft.com/office/powerpoint/2010/main" val="2743174328"/>
       </p:ext>
     </p:extLst>
   </p:cSld>
@@ -11821,7 +12015,7 @@
 </p:sld>
 </file>
 
-<file path=ppt/slides/slide5.xml><?xml version="1.0" encoding="utf-8"?>
+<file path=ppt/slides/slide3.xml><?xml version="1.0" encoding="utf-8"?>
 <p:sld xmlns:a="http://schemas.openxmlformats.org/drawingml/2006/main" xmlns:r="http://schemas.openxmlformats.org/officeDocument/2006/relationships" xmlns:p="http://schemas.openxmlformats.org/presentationml/2006/main">
   <p:cSld>
     <p:spTree>
@@ -11843,7 +12037,7 @@
           <p:cNvPr id="2" name="Title 1">
             <a:extLst>
               <a:ext uri="{FF2B5EF4-FFF2-40B4-BE49-F238E27FC236}">
-                <a16:creationId xmlns:a16="http://schemas.microsoft.com/office/drawing/2014/main" id="{60D8BCA0-73B7-2564-3C47-800915862F5C}"/>
+                <a16:creationId xmlns:a16="http://schemas.microsoft.com/office/drawing/2014/main" id="{C2ADCE4F-8711-054A-FC39-930C853F030A}"/>
               </a:ext>
             </a:extLst>
           </p:cNvPr>
@@ -11856,28 +12050,29 @@
         </p:nvSpPr>
         <p:spPr>
           <a:xfrm>
-            <a:off x="2589213" y="0"/>
-            <a:ext cx="8915399" cy="2262781"/>
+            <a:off x="2589213" y="390378"/>
+            <a:ext cx="8915399" cy="1348381"/>
           </a:xfrm>
         </p:spPr>
         <p:txBody>
-          <a:bodyPr/>
-          <a:lstStyle/>
-          <a:p>
-            <a:r>
-              <a:rPr lang="en-US" sz="4800" dirty="0"/>
-              <a:t>If-Else Statement</a:t>
-            </a:r>
-            <a:endParaRPr lang="en-US" dirty="0"/>
-          </a:p>
-        </p:txBody>
-      </p:sp>
-      <p:sp>
-        <p:nvSpPr>
-          <p:cNvPr id="4" name="Slide Number Placeholder 3">
+          <a:bodyPr>
+            <a:normAutofit/>
+          </a:bodyPr>
+          <a:lstStyle/>
+          <a:p>
+            <a:r>
+              <a:rPr lang="en-US" sz="4400" dirty="0"/>
+              <a:t>Decision Making</a:t>
+            </a:r>
+          </a:p>
+        </p:txBody>
+      </p:sp>
+      <p:sp>
+        <p:nvSpPr>
+          <p:cNvPr id="3" name="Subtitle 2">
             <a:extLst>
               <a:ext uri="{FF2B5EF4-FFF2-40B4-BE49-F238E27FC236}">
-                <a16:creationId xmlns:a16="http://schemas.microsoft.com/office/drawing/2014/main" id="{4DF6CDA2-7907-F303-49B4-66850F338D2C}"/>
+                <a16:creationId xmlns:a16="http://schemas.microsoft.com/office/drawing/2014/main" id="{EE9A45A3-70B4-116F-D677-98AEE1B2E788}"/>
               </a:ext>
             </a:extLst>
           </p:cNvPr>
@@ -11885,6 +12080,62 @@
             <a:spLocks noGrp="1"/>
           </p:cNvSpPr>
           <p:nvPr>
+            <p:ph type="subTitle" idx="1"/>
+          </p:nvPr>
+        </p:nvSpPr>
+        <p:spPr>
+          <a:xfrm>
+            <a:off x="2589211" y="2194560"/>
+            <a:ext cx="8369521" cy="2357163"/>
+          </a:xfrm>
+        </p:spPr>
+        <p:txBody>
+          <a:bodyPr>
+            <a:normAutofit/>
+          </a:bodyPr>
+          <a:lstStyle/>
+          <a:p>
+            <a:r>
+              <a:rPr lang="en-US" sz="2000" dirty="0">
+                <a:solidFill>
+                  <a:schemeClr val="tx1">
+                    <a:lumMod val="75000"/>
+                    <a:lumOff val="25000"/>
+                  </a:schemeClr>
+                </a:solidFill>
+              </a:rPr>
+              <a:t>Decision structures evaluate multiple expressions that produce TRUE or FALSE as outcome.</a:t>
+            </a:r>
+          </a:p>
+          <a:p>
+            <a:pPr marL="342900" indent="-342900">
+              <a:buFont typeface="Wingdings 3" charset="2"/>
+              <a:buChar char=""/>
+            </a:pPr>
+            <a:endParaRPr lang="en-US" sz="2000" dirty="0">
+              <a:solidFill>
+                <a:schemeClr val="tx1">
+                  <a:lumMod val="75000"/>
+                  <a:lumOff val="25000"/>
+                </a:schemeClr>
+              </a:solidFill>
+            </a:endParaRPr>
+          </a:p>
+        </p:txBody>
+      </p:sp>
+      <p:sp>
+        <p:nvSpPr>
+          <p:cNvPr id="5" name="Slide Number Placeholder 4">
+            <a:extLst>
+              <a:ext uri="{FF2B5EF4-FFF2-40B4-BE49-F238E27FC236}">
+                <a16:creationId xmlns:a16="http://schemas.microsoft.com/office/drawing/2014/main" id="{AC0A4AE7-378D-71F6-2878-44B8D688F27F}"/>
+              </a:ext>
+            </a:extLst>
+          </p:cNvPr>
+          <p:cNvSpPr>
+            <a:spLocks noGrp="1"/>
+          </p:cNvSpPr>
+          <p:nvPr>
             <p:ph type="sldNum" sz="quarter" idx="12"/>
           </p:nvPr>
         </p:nvSpPr>
@@ -11895,7 +12146,7 @@
           <a:p>
             <a:fld id="{1BA2F5C7-AA4C-441B-82CF-BB169A0AFBE6}" type="slidenum">
               <a:rPr lang="en-US" smtClean="0"/>
-              <a:t>5</a:t>
+              <a:t>3</a:t>
             </a:fld>
             <a:endParaRPr lang="en-US"/>
           </a:p>
@@ -11903,10 +12154,10 @@
       </p:sp>
       <p:sp>
         <p:nvSpPr>
-          <p:cNvPr id="5" name="Rectangle 4">
+          <p:cNvPr id="6" name="Rectangle 5">
             <a:extLst>
               <a:ext uri="{FF2B5EF4-FFF2-40B4-BE49-F238E27FC236}">
-                <a16:creationId xmlns:a16="http://schemas.microsoft.com/office/drawing/2014/main" id="{711214A5-5904-6CF6-AB1B-9BCD448C4822}"/>
+                <a16:creationId xmlns:a16="http://schemas.microsoft.com/office/drawing/2014/main" id="{C23FD7F6-4076-4F3C-D27E-96E7E9512122}"/>
               </a:ext>
             </a:extLst>
           </p:cNvPr>
@@ -11966,240 +12217,45 @@
           </a:p>
         </p:txBody>
       </p:sp>
-      <p:sp>
-        <p:nvSpPr>
-          <p:cNvPr id="8" name="Subtitle 2">
+      <p:pic>
+        <p:nvPicPr>
+          <p:cNvPr id="9" name="Picture 8">
             <a:extLst>
               <a:ext uri="{FF2B5EF4-FFF2-40B4-BE49-F238E27FC236}">
-                <a16:creationId xmlns:a16="http://schemas.microsoft.com/office/drawing/2014/main" id="{8596A50F-19B6-E0C4-4E0F-624D03993790}"/>
+                <a16:creationId xmlns:a16="http://schemas.microsoft.com/office/drawing/2014/main" id="{FF759A65-86E6-DFD6-FA2E-C74DFFD92906}"/>
               </a:ext>
             </a:extLst>
           </p:cNvPr>
-          <p:cNvSpPr>
-            <a:spLocks noGrp="1"/>
-          </p:cNvSpPr>
-          <p:nvPr>
-            <p:ph type="subTitle" idx="1"/>
-          </p:nvPr>
-        </p:nvSpPr>
+          <p:cNvPicPr>
+            <a:picLocks noChangeAspect="1"/>
+          </p:cNvPicPr>
+          <p:nvPr/>
+        </p:nvPicPr>
+        <p:blipFill rotWithShape="1">
+          <a:blip r:embed="rId3">
+            <a:extLst>
+              <a:ext uri="{28A0092B-C50C-407E-A947-70E740481C1C}">
+                <a14:useLocalDpi xmlns:a14="http://schemas.microsoft.com/office/drawing/2010/main" val="0"/>
+              </a:ext>
+            </a:extLst>
+          </a:blip>
+          <a:srcRect l="39347" t="33383" r="35154" b="16604"/>
+          <a:stretch/>
+        </p:blipFill>
         <p:spPr>
           <a:xfrm>
-            <a:off x="2589212" y="2623044"/>
-            <a:ext cx="7211280" cy="3691531"/>
+            <a:off x="4770263" y="3087283"/>
+            <a:ext cx="3108960" cy="3249638"/>
           </a:xfrm>
+          <a:prstGeom prst="rect">
+            <a:avLst/>
+          </a:prstGeom>
         </p:spPr>
-        <p:txBody>
-          <a:bodyPr>
-            <a:normAutofit fontScale="92500" lnSpcReduction="20000"/>
-          </a:bodyPr>
-          <a:lstStyle/>
-          <a:p>
-            <a:pPr marL="342900" indent="-342900" algn="just">
-              <a:lnSpc>
-                <a:spcPct val="90000"/>
-              </a:lnSpc>
-              <a:buFont typeface="Wingdings 3" charset="2"/>
-              <a:buChar char=""/>
-            </a:pPr>
-            <a:r>
-              <a:rPr lang="en-US" dirty="0">
-                <a:solidFill>
-                  <a:schemeClr val="tx1"/>
-                </a:solidFill>
-              </a:rPr>
-              <a:t>Syntax:</a:t>
-            </a:r>
-          </a:p>
-          <a:p>
-            <a:pPr marL="800100" lvl="1" indent="-342900" algn="just">
-              <a:lnSpc>
-                <a:spcPct val="90000"/>
-              </a:lnSpc>
-              <a:buFont typeface="Wingdings 3" charset="2"/>
-              <a:buChar char=""/>
-            </a:pPr>
-            <a:r>
-              <a:rPr lang="en-US" dirty="0">
-                <a:solidFill>
-                  <a:schemeClr val="tx1"/>
-                </a:solidFill>
-              </a:rPr>
-              <a:t>if condition:</a:t>
-            </a:r>
-          </a:p>
-          <a:p>
-            <a:pPr marL="800100" lvl="1" indent="-342900" algn="just">
-              <a:lnSpc>
-                <a:spcPct val="90000"/>
-              </a:lnSpc>
-              <a:buFont typeface="Wingdings 3" charset="2"/>
-              <a:buChar char=""/>
-            </a:pPr>
-            <a:r>
-              <a:rPr lang="en-US" dirty="0">
-                <a:solidFill>
-                  <a:schemeClr val="tx1"/>
-                </a:solidFill>
-              </a:rPr>
-              <a:t>    # code to execute if condition is true</a:t>
-            </a:r>
-          </a:p>
-          <a:p>
-            <a:pPr marL="800100" lvl="1" indent="-342900" algn="just">
-              <a:lnSpc>
-                <a:spcPct val="90000"/>
-              </a:lnSpc>
-              <a:buFont typeface="Wingdings 3" charset="2"/>
-              <a:buChar char=""/>
-            </a:pPr>
-            <a:r>
-              <a:rPr lang="en-US" dirty="0">
-                <a:solidFill>
-                  <a:schemeClr val="tx1"/>
-                </a:solidFill>
-              </a:rPr>
-              <a:t>else:</a:t>
-            </a:r>
-          </a:p>
-          <a:p>
-            <a:pPr marL="800100" lvl="1" indent="-342900" algn="just">
-              <a:lnSpc>
-                <a:spcPct val="90000"/>
-              </a:lnSpc>
-              <a:buFont typeface="Wingdings 3" charset="2"/>
-              <a:buChar char=""/>
-            </a:pPr>
-            <a:r>
-              <a:rPr lang="en-US" dirty="0">
-                <a:solidFill>
-                  <a:schemeClr val="tx1"/>
-                </a:solidFill>
-              </a:rPr>
-              <a:t>    # code to execute if condition is false</a:t>
-            </a:r>
-          </a:p>
-          <a:p>
-            <a:pPr marL="800100" lvl="1" indent="-342900" algn="just">
-              <a:lnSpc>
-                <a:spcPct val="90000"/>
-              </a:lnSpc>
-              <a:buFont typeface="Wingdings 3" charset="2"/>
-              <a:buChar char=""/>
-            </a:pPr>
-            <a:endParaRPr lang="en-US" dirty="0">
-              <a:solidFill>
-                <a:schemeClr val="tx1"/>
-              </a:solidFill>
-            </a:endParaRPr>
-          </a:p>
-          <a:p>
-            <a:pPr marL="342900" indent="-342900" algn="just">
-              <a:lnSpc>
-                <a:spcPct val="90000"/>
-              </a:lnSpc>
-              <a:buFont typeface="Wingdings 3" charset="2"/>
-              <a:buChar char=""/>
-            </a:pPr>
-            <a:r>
-              <a:rPr lang="en-US" dirty="0">
-                <a:solidFill>
-                  <a:schemeClr val="tx1"/>
-                </a:solidFill>
-              </a:rPr>
-              <a:t>Example: Check if a number is even or odd.</a:t>
-            </a:r>
-          </a:p>
-          <a:p>
-            <a:pPr marL="800100" lvl="1" indent="-342900" algn="just">
-              <a:lnSpc>
-                <a:spcPct val="90000"/>
-              </a:lnSpc>
-              <a:buFont typeface="Wingdings 3" charset="2"/>
-              <a:buChar char=""/>
-            </a:pPr>
-            <a:r>
-              <a:rPr lang="en-US" dirty="0">
-                <a:solidFill>
-                  <a:schemeClr val="tx1"/>
-                </a:solidFill>
-              </a:rPr>
-              <a:t>num = 4</a:t>
-            </a:r>
-          </a:p>
-          <a:p>
-            <a:pPr marL="800100" lvl="1" indent="-342900" algn="just">
-              <a:lnSpc>
-                <a:spcPct val="90000"/>
-              </a:lnSpc>
-              <a:buFont typeface="Wingdings 3" charset="2"/>
-              <a:buChar char=""/>
-            </a:pPr>
-            <a:r>
-              <a:rPr lang="en-US" dirty="0">
-                <a:solidFill>
-                  <a:schemeClr val="tx1"/>
-                </a:solidFill>
-              </a:rPr>
-              <a:t>if num % 2 == 0:</a:t>
-            </a:r>
-          </a:p>
-          <a:p>
-            <a:pPr marL="800100" lvl="1" indent="-342900" algn="just">
-              <a:lnSpc>
-                <a:spcPct val="90000"/>
-              </a:lnSpc>
-              <a:buFont typeface="Wingdings 3" charset="2"/>
-              <a:buChar char=""/>
-            </a:pPr>
-            <a:r>
-              <a:rPr lang="en-US" dirty="0">
-                <a:solidFill>
-                  <a:schemeClr val="tx1"/>
-                </a:solidFill>
-              </a:rPr>
-              <a:t>    print("The number is even")</a:t>
-            </a:r>
-          </a:p>
-          <a:p>
-            <a:pPr marL="800100" lvl="1" indent="-342900" algn="just">
-              <a:lnSpc>
-                <a:spcPct val="90000"/>
-              </a:lnSpc>
-              <a:buFont typeface="Wingdings 3" charset="2"/>
-              <a:buChar char=""/>
-            </a:pPr>
-            <a:r>
-              <a:rPr lang="en-US" dirty="0">
-                <a:solidFill>
-                  <a:schemeClr val="tx1"/>
-                </a:solidFill>
-              </a:rPr>
-              <a:t>else:</a:t>
-            </a:r>
-          </a:p>
-          <a:p>
-            <a:pPr marL="800100" lvl="1" indent="-342900" algn="just">
-              <a:lnSpc>
-                <a:spcPct val="90000"/>
-              </a:lnSpc>
-              <a:buFont typeface="Wingdings 3" charset="2"/>
-              <a:buChar char=""/>
-            </a:pPr>
-            <a:r>
-              <a:rPr lang="en-US" dirty="0">
-                <a:solidFill>
-                  <a:schemeClr val="tx1"/>
-                </a:solidFill>
-              </a:rPr>
-              <a:t>    print("The number is odd")</a:t>
-            </a:r>
-          </a:p>
-        </p:txBody>
-      </p:sp>
+      </p:pic>
     </p:spTree>
     <p:extLst>
       <p:ext uri="{BB962C8B-B14F-4D97-AF65-F5344CB8AC3E}">
-        <p14:creationId xmlns:p14="http://schemas.microsoft.com/office/powerpoint/2010/main" val="1235070982"/>
+        <p14:creationId xmlns:p14="http://schemas.microsoft.com/office/powerpoint/2010/main" val="1926343187"/>
       </p:ext>
     </p:extLst>
   </p:cSld>
@@ -12209,7 +12265,7 @@
 </p:sld>
 </file>
 
-<file path=ppt/slides/slide6.xml><?xml version="1.0" encoding="utf-8"?>
+<file path=ppt/slides/slide4.xml><?xml version="1.0" encoding="utf-8"?>
 <p:sld xmlns:a="http://schemas.openxmlformats.org/drawingml/2006/main" xmlns:r="http://schemas.openxmlformats.org/officeDocument/2006/relationships" xmlns:p="http://schemas.openxmlformats.org/presentationml/2006/main">
   <p:cSld>
     <p:spTree>
@@ -12244,19 +12300,20 @@
         </p:nvSpPr>
         <p:spPr>
           <a:xfrm>
-            <a:off x="2589213" y="1"/>
-            <a:ext cx="8915399" cy="1899138"/>
+            <a:off x="2110155" y="0"/>
+            <a:ext cx="10081846" cy="2262781"/>
           </a:xfrm>
         </p:spPr>
         <p:txBody>
-          <a:bodyPr/>
-          <a:lstStyle/>
-          <a:p>
-            <a:r>
-              <a:rPr lang="en-US" sz="4800" dirty="0"/>
-              <a:t>If-Else Statement</a:t>
-            </a:r>
-            <a:endParaRPr lang="en-US" dirty="0"/>
+          <a:bodyPr>
+            <a:normAutofit/>
+          </a:bodyPr>
+          <a:lstStyle/>
+          <a:p>
+            <a:r>
+              <a:rPr lang="en-US" sz="4400" dirty="0"/>
+              <a:t>What are Conditional Statements?</a:t>
+            </a:r>
           </a:p>
         </p:txBody>
       </p:sp>
@@ -12283,7 +12340,7 @@
           <a:p>
             <a:fld id="{1BA2F5C7-AA4C-441B-82CF-BB169A0AFBE6}" type="slidenum">
               <a:rPr lang="en-US" smtClean="0"/>
-              <a:t>6</a:t>
+              <a:t>4</a:t>
             </a:fld>
             <a:endParaRPr lang="en-US"/>
           </a:p>
@@ -12359,7 +12416,7 @@
           <p:cNvPr id="8" name="Subtitle 2">
             <a:extLst>
               <a:ext uri="{FF2B5EF4-FFF2-40B4-BE49-F238E27FC236}">
-                <a16:creationId xmlns:a16="http://schemas.microsoft.com/office/drawing/2014/main" id="{8596A50F-19B6-E0C4-4E0F-624D03993790}"/>
+                <a16:creationId xmlns:a16="http://schemas.microsoft.com/office/drawing/2014/main" id="{D039B883-E113-2317-EFFD-3AED1DE1EE0C}"/>
               </a:ext>
             </a:extLst>
           </p:cNvPr>
@@ -12372,15 +12429,27 @@
         </p:nvSpPr>
         <p:spPr>
           <a:xfrm>
-            <a:off x="2589212" y="2227386"/>
-            <a:ext cx="7211280" cy="4393282"/>
+            <a:off x="2589212" y="2433712"/>
+            <a:ext cx="8580536" cy="3880864"/>
           </a:xfrm>
         </p:spPr>
         <p:txBody>
           <a:bodyPr>
-            <a:normAutofit fontScale="85000" lnSpcReduction="20000"/>
+            <a:normAutofit fontScale="92500" lnSpcReduction="10000"/>
           </a:bodyPr>
           <a:lstStyle/>
+          <a:p>
+            <a:pPr algn="just">
+              <a:lnSpc>
+                <a:spcPct val="90000"/>
+              </a:lnSpc>
+            </a:pPr>
+            <a:endParaRPr lang="en-US" dirty="0">
+              <a:solidFill>
+                <a:schemeClr val="tx1"/>
+              </a:solidFill>
+            </a:endParaRPr>
+          </a:p>
           <a:p>
             <a:pPr marL="342900" indent="-342900" algn="just">
               <a:lnSpc>
@@ -12390,110 +12459,20 @@
               <a:buChar char=""/>
             </a:pPr>
             <a:r>
+              <a:rPr lang="en-US" b="1" dirty="0">
+                <a:solidFill>
+                  <a:schemeClr val="tx1"/>
+                </a:solidFill>
+              </a:rPr>
+              <a:t>Definition: </a:t>
+            </a:r>
+            <a:r>
               <a:rPr lang="en-US" dirty="0">
                 <a:solidFill>
                   <a:schemeClr val="tx1"/>
                 </a:solidFill>
               </a:rPr>
-              <a:t>Syntax:</a:t>
-            </a:r>
-          </a:p>
-          <a:p>
-            <a:pPr lvl="1" algn="just">
-              <a:lnSpc>
-                <a:spcPct val="90000"/>
-              </a:lnSpc>
-            </a:pPr>
-            <a:r>
-              <a:rPr lang="en-US" dirty="0">
-                <a:solidFill>
-                  <a:schemeClr val="tx1"/>
-                </a:solidFill>
-              </a:rPr>
-              <a:t>if condition1:</a:t>
-            </a:r>
-          </a:p>
-          <a:p>
-            <a:pPr lvl="1" algn="just">
-              <a:lnSpc>
-                <a:spcPct val="90000"/>
-              </a:lnSpc>
-            </a:pPr>
-            <a:r>
-              <a:rPr lang="en-US" dirty="0">
-                <a:solidFill>
-                  <a:schemeClr val="tx1"/>
-                </a:solidFill>
-              </a:rPr>
-              <a:t>    # code to execute if condition1 is true</a:t>
-            </a:r>
-          </a:p>
-          <a:p>
-            <a:pPr lvl="1" algn="just">
-              <a:lnSpc>
-                <a:spcPct val="90000"/>
-              </a:lnSpc>
-            </a:pPr>
-            <a:r>
-              <a:rPr lang="en-US" dirty="0" err="1">
-                <a:solidFill>
-                  <a:schemeClr val="tx1"/>
-                </a:solidFill>
-              </a:rPr>
-              <a:t>elif</a:t>
-            </a:r>
-            <a:r>
-              <a:rPr lang="en-US" dirty="0">
-                <a:solidFill>
-                  <a:schemeClr val="tx1"/>
-                </a:solidFill>
-              </a:rPr>
-              <a:t> condition2:</a:t>
-            </a:r>
-          </a:p>
-          <a:p>
-            <a:pPr lvl="1" algn="just">
-              <a:lnSpc>
-                <a:spcPct val="90000"/>
-              </a:lnSpc>
-            </a:pPr>
-            <a:r>
-              <a:rPr lang="en-US" dirty="0">
-                <a:solidFill>
-                  <a:schemeClr val="tx1"/>
-                </a:solidFill>
-              </a:rPr>
-              <a:t>    # code to execute if condition2 is true</a:t>
-            </a:r>
-          </a:p>
-          <a:p>
-            <a:pPr lvl="1" algn="just">
-              <a:lnSpc>
-                <a:spcPct val="90000"/>
-              </a:lnSpc>
-            </a:pPr>
-            <a:r>
-              <a:rPr lang="en-US" dirty="0">
-                <a:solidFill>
-                  <a:schemeClr val="tx1"/>
-                </a:solidFill>
-              </a:rPr>
-              <a:t>else:</a:t>
-            </a:r>
-          </a:p>
-          <a:p>
-            <a:pPr lvl="1" algn="just">
-              <a:lnSpc>
-                <a:spcPct val="90000"/>
-              </a:lnSpc>
-            </a:pPr>
-            <a:r>
-              <a:rPr lang="en-US" dirty="0">
-                <a:solidFill>
-                  <a:schemeClr val="tx1"/>
-                </a:solidFill>
-              </a:rPr>
-              <a:t>    # code to execute if both conditions are false</a:t>
+              <a:t>Instructions that only run when a certain condition is true.</a:t>
             </a:r>
           </a:p>
           <a:p>
@@ -12505,49 +12484,56 @@
               <a:buChar char=""/>
             </a:pPr>
             <a:r>
+              <a:rPr lang="en-US" b="1" dirty="0">
+                <a:solidFill>
+                  <a:schemeClr val="tx1"/>
+                </a:solidFill>
+              </a:rPr>
+              <a:t>Importance: </a:t>
+            </a:r>
+            <a:r>
               <a:rPr lang="en-US" dirty="0">
                 <a:solidFill>
                   <a:schemeClr val="tx1"/>
                 </a:solidFill>
               </a:rPr>
-              <a:t>Example: Determine the grade based on marks.</a:t>
-            </a:r>
-          </a:p>
-          <a:p>
-            <a:pPr lvl="1" algn="just">
+              <a:t>Allows programs to make decisions and execute different code paths.</a:t>
+            </a:r>
+          </a:p>
+          <a:p>
+            <a:pPr algn="just">
               <a:lnSpc>
                 <a:spcPct val="90000"/>
               </a:lnSpc>
             </a:pPr>
-            <a:r>
-              <a:rPr lang="en-US" dirty="0">
-                <a:solidFill>
-                  <a:schemeClr val="tx1"/>
-                </a:solidFill>
-              </a:rPr>
-              <a:t>marks = 85</a:t>
-            </a:r>
-          </a:p>
-          <a:p>
-            <a:pPr lvl="1" algn="just">
+            <a:endParaRPr lang="en-US" b="1" dirty="0">
+              <a:solidFill>
+                <a:schemeClr val="tx1"/>
+              </a:solidFill>
+            </a:endParaRPr>
+          </a:p>
+          <a:p>
+            <a:pPr algn="just">
               <a:lnSpc>
                 <a:spcPct val="90000"/>
               </a:lnSpc>
             </a:pPr>
             <a:r>
-              <a:rPr lang="en-US" dirty="0">
+              <a:rPr lang="en-US" b="1" dirty="0">
                 <a:solidFill>
                   <a:schemeClr val="tx1"/>
                 </a:solidFill>
               </a:rPr>
-              <a:t>if marks &gt;= 90:</a:t>
-            </a:r>
-          </a:p>
-          <a:p>
-            <a:pPr lvl="1" algn="just">
+              <a:t>Logical conditions:</a:t>
+            </a:r>
+          </a:p>
+          <a:p>
+            <a:pPr marL="342900" indent="-342900" algn="just">
               <a:lnSpc>
                 <a:spcPct val="90000"/>
               </a:lnSpc>
+              <a:buFont typeface="Wingdings 3" charset="2"/>
+              <a:buChar char=""/>
             </a:pPr>
             <a:r>
               <a:rPr lang="en-US" dirty="0">
@@ -12555,37 +12541,33 @@
                   <a:schemeClr val="tx1"/>
                 </a:solidFill>
               </a:rPr>
-              <a:t>    print("Grade: A")</a:t>
-            </a:r>
-          </a:p>
-          <a:p>
-            <a:pPr lvl="1" algn="just">
+              <a:t>Equals: a == b</a:t>
+            </a:r>
+          </a:p>
+          <a:p>
+            <a:pPr marL="342900" indent="-342900" algn="just">
               <a:lnSpc>
                 <a:spcPct val="90000"/>
               </a:lnSpc>
+              <a:buFont typeface="Wingdings 3" charset="2"/>
+              <a:buChar char=""/>
             </a:pPr>
             <a:r>
-              <a:rPr lang="en-US" dirty="0" err="1">
+              <a:rPr lang="en-US" dirty="0">
                 <a:solidFill>
                   <a:schemeClr val="tx1"/>
                 </a:solidFill>
               </a:rPr>
-              <a:t>elif</a:t>
-            </a:r>
-            <a:r>
-              <a:rPr lang="en-US" dirty="0">
-                <a:solidFill>
-                  <a:schemeClr val="tx1"/>
-                </a:solidFill>
-              </a:rPr>
-              <a:t> marks &gt;= 80:</a:t>
-            </a:r>
-          </a:p>
-          <a:p>
-            <a:pPr lvl="1" algn="just">
+              <a:t>Not Equals: a != b</a:t>
+            </a:r>
+          </a:p>
+          <a:p>
+            <a:pPr marL="342900" indent="-342900" algn="just">
               <a:lnSpc>
                 <a:spcPct val="90000"/>
               </a:lnSpc>
+              <a:buFont typeface="Wingdings 3" charset="2"/>
+              <a:buChar char=""/>
             </a:pPr>
             <a:r>
               <a:rPr lang="en-US" dirty="0">
@@ -12593,14 +12575,16 @@
                   <a:schemeClr val="tx1"/>
                 </a:solidFill>
               </a:rPr>
-              <a:t>    print("Grade: B")</a:t>
-            </a:r>
-          </a:p>
-          <a:p>
-            <a:pPr lvl="1" algn="just">
+              <a:t>Less than: a &lt; b</a:t>
+            </a:r>
+          </a:p>
+          <a:p>
+            <a:pPr marL="342900" indent="-342900" algn="just">
               <a:lnSpc>
                 <a:spcPct val="90000"/>
               </a:lnSpc>
+              <a:buFont typeface="Wingdings 3" charset="2"/>
+              <a:buChar char=""/>
             </a:pPr>
             <a:r>
               <a:rPr lang="en-US" dirty="0">
@@ -12608,14 +12592,16 @@
                   <a:schemeClr val="tx1"/>
                 </a:solidFill>
               </a:rPr>
-              <a:t>else:</a:t>
-            </a:r>
-          </a:p>
-          <a:p>
-            <a:pPr lvl="1" algn="just">
+              <a:t>Less than or equal to: a &lt;= b</a:t>
+            </a:r>
+          </a:p>
+          <a:p>
+            <a:pPr marL="342900" indent="-342900" algn="just">
               <a:lnSpc>
                 <a:spcPct val="90000"/>
               </a:lnSpc>
+              <a:buFont typeface="Wingdings 3" charset="2"/>
+              <a:buChar char=""/>
             </a:pPr>
             <a:r>
               <a:rPr lang="en-US" dirty="0">
@@ -12623,7 +12609,24 @@
                   <a:schemeClr val="tx1"/>
                 </a:solidFill>
               </a:rPr>
-              <a:t>    print("Grade: C")</a:t>
+              <a:t>Greater than: a &gt; b</a:t>
+            </a:r>
+          </a:p>
+          <a:p>
+            <a:pPr marL="342900" indent="-342900" algn="just">
+              <a:lnSpc>
+                <a:spcPct val="90000"/>
+              </a:lnSpc>
+              <a:buFont typeface="Wingdings 3" charset="2"/>
+              <a:buChar char=""/>
+            </a:pPr>
+            <a:r>
+              <a:rPr lang="en-US" dirty="0">
+                <a:solidFill>
+                  <a:schemeClr val="tx1"/>
+                </a:solidFill>
+              </a:rPr>
+              <a:t>Greater than or equal to: a &gt;= b</a:t>
             </a:r>
           </a:p>
         </p:txBody>
@@ -12631,7 +12634,7 @@
     </p:spTree>
     <p:extLst>
       <p:ext uri="{BB962C8B-B14F-4D97-AF65-F5344CB8AC3E}">
-        <p14:creationId xmlns:p14="http://schemas.microsoft.com/office/powerpoint/2010/main" val="3626014581"/>
+        <p14:creationId xmlns:p14="http://schemas.microsoft.com/office/powerpoint/2010/main" val="270952857"/>
       </p:ext>
     </p:extLst>
   </p:cSld>
@@ -12641,7 +12644,7 @@
 </p:sld>
 </file>
 
-<file path=ppt/slides/slide7.xml><?xml version="1.0" encoding="utf-8"?>
+<file path=ppt/slides/slide5.xml><?xml version="1.0" encoding="utf-8"?>
 <p:sld xmlns:a="http://schemas.openxmlformats.org/drawingml/2006/main" xmlns:r="http://schemas.openxmlformats.org/officeDocument/2006/relationships" xmlns:p="http://schemas.openxmlformats.org/presentationml/2006/main">
   <p:cSld>
     <p:spTree>
@@ -12676,19 +12679,20 @@
         </p:nvSpPr>
         <p:spPr>
           <a:xfrm>
-            <a:off x="2589213" y="1"/>
-            <a:ext cx="8915399" cy="1899138"/>
+            <a:off x="2504049" y="1"/>
+            <a:ext cx="9687952" cy="1519310"/>
           </a:xfrm>
         </p:spPr>
         <p:txBody>
-          <a:bodyPr/>
-          <a:lstStyle/>
-          <a:p>
-            <a:r>
-              <a:rPr lang="en-US" sz="4800" dirty="0"/>
-              <a:t>Nested If Statements</a:t>
-            </a:r>
-            <a:endParaRPr lang="en-US" dirty="0"/>
+          <a:bodyPr>
+            <a:normAutofit/>
+          </a:bodyPr>
+          <a:lstStyle/>
+          <a:p>
+            <a:r>
+              <a:rPr lang="en-US" sz="4400" dirty="0"/>
+              <a:t>If Statement</a:t>
+            </a:r>
           </a:p>
         </p:txBody>
       </p:sp>
@@ -12715,7 +12719,7 @@
           <a:p>
             <a:fld id="{1BA2F5C7-AA4C-441B-82CF-BB169A0AFBE6}" type="slidenum">
               <a:rPr lang="en-US" smtClean="0"/>
-              <a:t>7</a:t>
+              <a:t>5</a:t>
             </a:fld>
             <a:endParaRPr lang="en-US"/>
           </a:p>
@@ -12791,7 +12795,7 @@
           <p:cNvPr id="8" name="Subtitle 2">
             <a:extLst>
               <a:ext uri="{FF2B5EF4-FFF2-40B4-BE49-F238E27FC236}">
-                <a16:creationId xmlns:a16="http://schemas.microsoft.com/office/drawing/2014/main" id="{8596A50F-19B6-E0C4-4E0F-624D03993790}"/>
+                <a16:creationId xmlns:a16="http://schemas.microsoft.com/office/drawing/2014/main" id="{D039B883-E113-2317-EFFD-3AED1DE1EE0C}"/>
               </a:ext>
             </a:extLst>
           </p:cNvPr>
@@ -12804,8 +12808,8 @@
         </p:nvSpPr>
         <p:spPr>
           <a:xfrm>
-            <a:off x="2589212" y="2227386"/>
-            <a:ext cx="7211280" cy="4393282"/>
+            <a:off x="2391508" y="1927276"/>
+            <a:ext cx="5205046" cy="4276576"/>
           </a:xfrm>
         </p:spPr>
         <p:txBody>
@@ -12813,6 +12817,18 @@
             <a:normAutofit/>
           </a:bodyPr>
           <a:lstStyle/>
+          <a:p>
+            <a:pPr algn="just">
+              <a:lnSpc>
+                <a:spcPct val="90000"/>
+              </a:lnSpc>
+            </a:pPr>
+            <a:endParaRPr lang="en-US" dirty="0">
+              <a:solidFill>
+                <a:schemeClr val="tx1"/>
+              </a:solidFill>
+            </a:endParaRPr>
+          </a:p>
           <a:p>
             <a:pPr marL="342900" indent="-342900" algn="just">
               <a:lnSpc>
@@ -12827,152 +12843,50 @@
                   <a:schemeClr val="tx1"/>
                 </a:solidFill>
               </a:rPr>
-              <a:t>Definition: An if statement inside another if statement.</a:t>
-            </a:r>
-          </a:p>
-          <a:p>
-            <a:pPr marL="342900" indent="-342900" algn="just">
-              <a:lnSpc>
-                <a:spcPct val="90000"/>
-              </a:lnSpc>
-              <a:buFont typeface="Wingdings 3" charset="2"/>
-              <a:buChar char=""/>
-            </a:pPr>
-            <a:r>
-              <a:rPr lang="en-US" dirty="0">
-                <a:solidFill>
-                  <a:schemeClr val="tx1"/>
-                </a:solidFill>
-              </a:rPr>
-              <a:t>Example: Check if a number is positive and even.</a:t>
-            </a:r>
-          </a:p>
-          <a:p>
-            <a:pPr lvl="1" algn="just">
-              <a:lnSpc>
-                <a:spcPct val="90000"/>
-              </a:lnSpc>
-            </a:pPr>
-            <a:r>
-              <a:rPr lang="en-US" dirty="0">
-                <a:solidFill>
-                  <a:schemeClr val="tx1"/>
-                </a:solidFill>
-              </a:rPr>
-              <a:t>num = 6</a:t>
-            </a:r>
-          </a:p>
-          <a:p>
-            <a:pPr lvl="1" algn="just">
-              <a:lnSpc>
-                <a:spcPct val="90000"/>
-              </a:lnSpc>
-            </a:pPr>
-            <a:r>
-              <a:rPr lang="en-US" dirty="0">
-                <a:solidFill>
-                  <a:schemeClr val="tx1"/>
-                </a:solidFill>
-              </a:rPr>
-              <a:t>if num &gt; 0:</a:t>
-            </a:r>
-          </a:p>
-          <a:p>
-            <a:pPr lvl="1" algn="just">
-              <a:lnSpc>
-                <a:spcPct val="90000"/>
-              </a:lnSpc>
-            </a:pPr>
-            <a:r>
-              <a:rPr lang="en-US" dirty="0">
-                <a:solidFill>
-                  <a:schemeClr val="tx1"/>
-                </a:solidFill>
-              </a:rPr>
-              <a:t>    if num % 2 == 0:</a:t>
-            </a:r>
-          </a:p>
-          <a:p>
-            <a:pPr lvl="1" algn="just">
-              <a:lnSpc>
-                <a:spcPct val="90000"/>
-              </a:lnSpc>
-            </a:pPr>
-            <a:r>
-              <a:rPr lang="en-US" dirty="0">
-                <a:solidFill>
-                  <a:schemeClr val="tx1"/>
-                </a:solidFill>
-              </a:rPr>
-              <a:t>        print("The number is positive and even")</a:t>
-            </a:r>
-          </a:p>
-          <a:p>
-            <a:pPr lvl="1" algn="just">
-              <a:lnSpc>
-                <a:spcPct val="90000"/>
-              </a:lnSpc>
-            </a:pPr>
-            <a:r>
-              <a:rPr lang="en-US" dirty="0">
-                <a:solidFill>
-                  <a:schemeClr val="tx1"/>
-                </a:solidFill>
-              </a:rPr>
-              <a:t>    else:</a:t>
-            </a:r>
-          </a:p>
-          <a:p>
-            <a:pPr lvl="1" algn="just">
-              <a:lnSpc>
-                <a:spcPct val="90000"/>
-              </a:lnSpc>
-            </a:pPr>
-            <a:r>
-              <a:rPr lang="en-US" dirty="0">
-                <a:solidFill>
-                  <a:schemeClr val="tx1"/>
-                </a:solidFill>
-              </a:rPr>
-              <a:t>        print("The number is positive but odd")</a:t>
-            </a:r>
-          </a:p>
-          <a:p>
-            <a:pPr lvl="1" algn="just">
-              <a:lnSpc>
-                <a:spcPct val="90000"/>
-              </a:lnSpc>
-            </a:pPr>
-            <a:r>
-              <a:rPr lang="en-US" dirty="0">
-                <a:solidFill>
-                  <a:schemeClr val="tx1"/>
-                </a:solidFill>
-              </a:rPr>
-              <a:t>else:</a:t>
-            </a:r>
-          </a:p>
-          <a:p>
-            <a:pPr lvl="1" algn="just">
-              <a:lnSpc>
-                <a:spcPct val="90000"/>
-              </a:lnSpc>
-            </a:pPr>
-            <a:r>
-              <a:rPr lang="en-US" dirty="0">
-                <a:solidFill>
-                  <a:schemeClr val="tx1"/>
-                </a:solidFill>
-              </a:rPr>
-              <a:t>    print("The number is not positive")</a:t>
-            </a:r>
-          </a:p>
-        </p:txBody>
-      </p:sp>
+              <a:t>Let us consider an example of a customer entitled to 10% discount if his purchase amount is &gt; 1000; if not, then no discount is applicable. </a:t>
+            </a:r>
+          </a:p>
+        </p:txBody>
+      </p:sp>
+      <p:pic>
+        <p:nvPicPr>
+          <p:cNvPr id="6" name="Picture 5">
+            <a:extLst>
+              <a:ext uri="{FF2B5EF4-FFF2-40B4-BE49-F238E27FC236}">
+                <a16:creationId xmlns:a16="http://schemas.microsoft.com/office/drawing/2014/main" id="{0489537A-3C07-5145-FA4F-9193BEC0A4CD}"/>
+              </a:ext>
+            </a:extLst>
+          </p:cNvPr>
+          <p:cNvPicPr>
+            <a:picLocks noChangeAspect="1"/>
+          </p:cNvPicPr>
+          <p:nvPr/>
+        </p:nvPicPr>
+        <p:blipFill rotWithShape="1">
+          <a:blip r:embed="rId2">
+            <a:extLst>
+              <a:ext uri="{28A0092B-C50C-407E-A947-70E740481C1C}">
+                <a14:useLocalDpi xmlns:a14="http://schemas.microsoft.com/office/drawing/2010/main" val="0"/>
+              </a:ext>
+            </a:extLst>
+          </a:blip>
+          <a:srcRect l="35077" t="22124" r="37923" b="13574"/>
+          <a:stretch/>
+        </p:blipFill>
+        <p:spPr>
+          <a:xfrm>
+            <a:off x="8154571" y="1927276"/>
+            <a:ext cx="3587261" cy="4553062"/>
+          </a:xfrm>
+          <a:prstGeom prst="rect">
+            <a:avLst/>
+          </a:prstGeom>
+        </p:spPr>
+      </p:pic>
     </p:spTree>
     <p:extLst>
       <p:ext uri="{BB962C8B-B14F-4D97-AF65-F5344CB8AC3E}">
-        <p14:creationId xmlns:p14="http://schemas.microsoft.com/office/powerpoint/2010/main" val="2924689070"/>
+        <p14:creationId xmlns:p14="http://schemas.microsoft.com/office/powerpoint/2010/main" val="116605188"/>
       </p:ext>
     </p:extLst>
   </p:cSld>
@@ -12982,7 +12896,7 @@
 </p:sld>
 </file>
 
-<file path=ppt/slides/slide8.xml><?xml version="1.0" encoding="utf-8"?>
+<file path=ppt/slides/slide6.xml><?xml version="1.0" encoding="utf-8"?>
 <p:sld xmlns:a="http://schemas.openxmlformats.org/drawingml/2006/main" xmlns:r="http://schemas.openxmlformats.org/officeDocument/2006/relationships" xmlns:p="http://schemas.openxmlformats.org/presentationml/2006/main">
   <p:cSld>
     <p:spTree>
@@ -13017,8 +12931,8 @@
         </p:nvSpPr>
         <p:spPr>
           <a:xfrm>
-            <a:off x="2589213" y="1"/>
-            <a:ext cx="8915399" cy="1899138"/>
+            <a:off x="2447779" y="0"/>
+            <a:ext cx="9056834" cy="2262781"/>
           </a:xfrm>
         </p:spPr>
         <p:txBody>
@@ -13027,7 +12941,7 @@
           <a:p>
             <a:r>
               <a:rPr lang="en-US" sz="4800" dirty="0"/>
-              <a:t>Using Boolean Operators</a:t>
+              <a:t>Simple If Statement</a:t>
             </a:r>
             <a:endParaRPr lang="en-US" dirty="0"/>
           </a:p>
@@ -13056,7 +12970,7 @@
           <a:p>
             <a:fld id="{1BA2F5C7-AA4C-441B-82CF-BB169A0AFBE6}" type="slidenum">
               <a:rPr lang="en-US" smtClean="0"/>
-              <a:t>8</a:t>
+              <a:t>6</a:t>
             </a:fld>
             <a:endParaRPr lang="en-US"/>
           </a:p>
@@ -13129,116 +13043,112 @@
       </p:sp>
       <p:sp>
         <p:nvSpPr>
-          <p:cNvPr id="8" name="Subtitle 2">
+          <p:cNvPr id="6" name="TextBox 5">
             <a:extLst>
               <a:ext uri="{FF2B5EF4-FFF2-40B4-BE49-F238E27FC236}">
-                <a16:creationId xmlns:a16="http://schemas.microsoft.com/office/drawing/2014/main" id="{8596A50F-19B6-E0C4-4E0F-624D03993790}"/>
+                <a16:creationId xmlns:a16="http://schemas.microsoft.com/office/drawing/2014/main" id="{8D0A51FC-CFAD-EC13-C530-A6DF14CAAC7F}"/>
               </a:ext>
             </a:extLst>
           </p:cNvPr>
-          <p:cNvSpPr>
-            <a:spLocks noGrp="1"/>
-          </p:cNvSpPr>
-          <p:nvPr>
-            <p:ph type="subTitle" idx="1"/>
-          </p:nvPr>
+          <p:cNvSpPr txBox="1"/>
+          <p:nvPr/>
         </p:nvSpPr>
         <p:spPr>
           <a:xfrm>
-            <a:off x="2589212" y="2625968"/>
-            <a:ext cx="7211280" cy="3994699"/>
+            <a:off x="2616591" y="2588443"/>
+            <a:ext cx="7065825" cy="3693319"/>
           </a:xfrm>
+          <a:prstGeom prst="rect">
+            <a:avLst/>
+          </a:prstGeom>
+          <a:noFill/>
         </p:spPr>
         <p:txBody>
-          <a:bodyPr>
-            <a:normAutofit/>
+          <a:bodyPr wrap="square">
+            <a:spAutoFit/>
           </a:bodyPr>
           <a:lstStyle/>
           <a:p>
-            <a:pPr marL="342900" indent="-342900" algn="just">
-              <a:lnSpc>
-                <a:spcPct val="90000"/>
-              </a:lnSpc>
-              <a:buFont typeface="Wingdings 3" charset="2"/>
-              <a:buChar char=""/>
+            <a:pPr marL="285750" indent="-285750">
+              <a:buFont typeface="Wingdings" panose="05000000000000000000" pitchFamily="2" charset="2"/>
+              <a:buChar char="§"/>
             </a:pPr>
             <a:r>
-              <a:rPr lang="en-US" dirty="0">
-                <a:solidFill>
-                  <a:schemeClr val="tx1"/>
-                </a:solidFill>
-              </a:rPr>
-              <a:t>Boolean operators: and, or, not</a:t>
-            </a:r>
-          </a:p>
-          <a:p>
-            <a:pPr marL="342900" indent="-342900" algn="just">
-              <a:lnSpc>
-                <a:spcPct val="90000"/>
-              </a:lnSpc>
-              <a:buFont typeface="Wingdings 3" charset="2"/>
-              <a:buChar char=""/>
-            </a:pPr>
-            <a:r>
-              <a:rPr lang="en-US" dirty="0">
-                <a:solidFill>
-                  <a:schemeClr val="tx1"/>
-                </a:solidFill>
-              </a:rPr>
-              <a:t>Example: Check if a number is positive and less than 10.</a:t>
-            </a:r>
-          </a:p>
-          <a:p>
-            <a:pPr lvl="1" algn="just">
-              <a:lnSpc>
-                <a:spcPct val="90000"/>
-              </a:lnSpc>
-            </a:pPr>
-            <a:r>
-              <a:rPr lang="en-US" dirty="0">
-                <a:solidFill>
-                  <a:schemeClr val="tx1"/>
-                </a:solidFill>
-              </a:rPr>
-              <a:t>num = 7</a:t>
-            </a:r>
-          </a:p>
-          <a:p>
-            <a:pPr lvl="1" algn="just">
-              <a:lnSpc>
-                <a:spcPct val="90000"/>
-              </a:lnSpc>
-            </a:pPr>
-            <a:r>
-              <a:rPr lang="en-US" dirty="0">
-                <a:solidFill>
-                  <a:schemeClr val="tx1"/>
-                </a:solidFill>
-              </a:rPr>
-              <a:t>if num &gt; 0 and num &lt; 10:</a:t>
-            </a:r>
-          </a:p>
-          <a:p>
-            <a:pPr lvl="1" algn="just">
-              <a:lnSpc>
-                <a:spcPct val="90000"/>
-              </a:lnSpc>
-            </a:pPr>
-            <a:r>
-              <a:rPr lang="en-US" dirty="0">
-                <a:solidFill>
-                  <a:schemeClr val="tx1"/>
-                </a:solidFill>
-              </a:rPr>
-              <a:t>    print("The number is positive and less than 10")</a:t>
-            </a:r>
+              <a:rPr lang="en-US" sz="1700" b="1" dirty="0"/>
+              <a:t>Syntex: </a:t>
+            </a:r>
+            <a:r>
+              <a:rPr lang="en-US" dirty="0"/>
+              <a:t>if expression:</a:t>
+            </a:r>
+          </a:p>
+          <a:p>
+            <a:r>
+              <a:rPr lang="en-US" dirty="0"/>
+              <a:t>  			 statement(s)</a:t>
+            </a:r>
+          </a:p>
+          <a:p>
+            <a:endParaRPr lang="en-US" dirty="0"/>
+          </a:p>
+          <a:p>
+            <a:r>
+              <a:rPr lang="en-US" b="1" dirty="0"/>
+              <a:t>if condition:</a:t>
+            </a:r>
+          </a:p>
+          <a:p>
+            <a:r>
+              <a:rPr lang="en-US" dirty="0"/>
+              <a:t>    # code to execute if the condition is true</a:t>
+            </a:r>
+          </a:p>
+          <a:p>
+            <a:endParaRPr lang="en-US" dirty="0"/>
+          </a:p>
+          <a:p>
+            <a:r>
+              <a:rPr lang="en-US" b="1" dirty="0"/>
+              <a:t>Example: </a:t>
+            </a:r>
+            <a:r>
+              <a:rPr lang="en-US" dirty="0"/>
+              <a:t>Check if a number is positive</a:t>
+            </a:r>
+          </a:p>
+          <a:p>
+            <a:endParaRPr lang="en-US" dirty="0"/>
+          </a:p>
+          <a:p>
+            <a:r>
+              <a:rPr lang="en-US" dirty="0"/>
+              <a:t>num = 5</a:t>
+            </a:r>
+          </a:p>
+          <a:p>
+            <a:r>
+              <a:rPr lang="en-US" dirty="0"/>
+              <a:t>if num &gt; 0:</a:t>
+            </a:r>
+          </a:p>
+          <a:p>
+            <a:r>
+              <a:rPr lang="en-US" dirty="0"/>
+              <a:t>    print("The number is positive")</a:t>
+            </a:r>
+          </a:p>
+          <a:p>
+            <a:endParaRPr lang="en-US" dirty="0"/>
+          </a:p>
+          <a:p>
+            <a:endParaRPr lang="en-US" dirty="0"/>
           </a:p>
         </p:txBody>
       </p:sp>
     </p:spTree>
     <p:extLst>
       <p:ext uri="{BB962C8B-B14F-4D97-AF65-F5344CB8AC3E}">
-        <p14:creationId xmlns:p14="http://schemas.microsoft.com/office/powerpoint/2010/main" val="2453173145"/>
+        <p14:creationId xmlns:p14="http://schemas.microsoft.com/office/powerpoint/2010/main" val="160868209"/>
       </p:ext>
     </p:extLst>
   </p:cSld>
@@ -13248,7 +13158,7 @@
 </p:sld>
 </file>
 
-<file path=ppt/slides/slide9.xml><?xml version="1.0" encoding="utf-8"?>
+<file path=ppt/slides/slide7.xml><?xml version="1.0" encoding="utf-8"?>
 <p:sld xmlns:a="http://schemas.openxmlformats.org/drawingml/2006/main" xmlns:r="http://schemas.openxmlformats.org/officeDocument/2006/relationships" xmlns:p="http://schemas.openxmlformats.org/presentationml/2006/main">
   <p:cSld>
     <p:spTree>
@@ -13283,8 +13193,8 @@
         </p:nvSpPr>
         <p:spPr>
           <a:xfrm>
-            <a:off x="2589213" y="1"/>
-            <a:ext cx="8915399" cy="1899138"/>
+            <a:off x="2589213" y="0"/>
+            <a:ext cx="8915399" cy="2262781"/>
           </a:xfrm>
         </p:spPr>
         <p:txBody>
@@ -13293,7 +13203,7 @@
           <a:p>
             <a:r>
               <a:rPr lang="en-US" sz="4800" dirty="0"/>
-              <a:t>If-Else with Strings</a:t>
+              <a:t>If-Else Statement</a:t>
             </a:r>
             <a:endParaRPr lang="en-US" dirty="0"/>
           </a:p>
@@ -13322,7 +13232,7 @@
           <a:p>
             <a:fld id="{1BA2F5C7-AA4C-441B-82CF-BB169A0AFBE6}" type="slidenum">
               <a:rPr lang="en-US" smtClean="0"/>
-              <a:t>9</a:t>
+              <a:t>7</a:t>
             </a:fld>
             <a:endParaRPr lang="en-US"/>
           </a:p>
@@ -13411,13 +13321,13 @@
         </p:nvSpPr>
         <p:spPr>
           <a:xfrm>
-            <a:off x="2589212" y="2625968"/>
-            <a:ext cx="7211280" cy="3994699"/>
+            <a:off x="2589212" y="2623044"/>
+            <a:ext cx="7211280" cy="3691531"/>
           </a:xfrm>
         </p:spPr>
         <p:txBody>
           <a:bodyPr>
-            <a:normAutofit/>
+            <a:normAutofit fontScale="92500" lnSpcReduction="20000"/>
           </a:bodyPr>
           <a:lstStyle/>
           <a:p>
@@ -13429,12 +13339,12 @@
               <a:buChar char=""/>
             </a:pPr>
             <a:r>
-              <a:rPr lang="en-US" dirty="0">
+              <a:rPr lang="en-US" b="1" dirty="0">
                 <a:solidFill>
                   <a:schemeClr val="tx1"/>
                 </a:solidFill>
               </a:rPr>
-              <a:t>Example: Check if a string is empty.</a:t>
+              <a:t>Syntax:</a:t>
             </a:r>
           </a:p>
           <a:p>
@@ -13444,20 +13354,12 @@
               </a:lnSpc>
             </a:pPr>
             <a:r>
-              <a:rPr lang="en-US" dirty="0" err="1">
+              <a:rPr lang="en-US" dirty="0">
                 <a:solidFill>
                   <a:schemeClr val="tx1"/>
                 </a:solidFill>
               </a:rPr>
-              <a:t>my_string</a:t>
-            </a:r>
-            <a:r>
-              <a:rPr lang="en-US" dirty="0">
-                <a:solidFill>
-                  <a:schemeClr val="tx1"/>
-                </a:solidFill>
-              </a:rPr>
-              <a:t> = ""</a:t>
+              <a:t>if condition:</a:t>
             </a:r>
           </a:p>
           <a:p>
@@ -13472,23 +13374,7 @@
                   <a:schemeClr val="tx1"/>
                 </a:solidFill>
               </a:rPr>
-              <a:t>if </a:t>
-            </a:r>
-            <a:r>
-              <a:rPr lang="en-US" dirty="0" err="1">
-                <a:solidFill>
-                  <a:schemeClr val="tx1"/>
-                </a:solidFill>
-              </a:rPr>
-              <a:t>my_string</a:t>
-            </a:r>
-            <a:r>
-              <a:rPr lang="en-US" dirty="0">
-                <a:solidFill>
-                  <a:schemeClr val="tx1"/>
-                </a:solidFill>
-              </a:rPr>
-              <a:t> == "":</a:t>
+              <a:t>    # code to execute if condition is true</a:t>
             </a:r>
           </a:p>
           <a:p>
@@ -13503,7 +13389,7 @@
                   <a:schemeClr val="tx1"/>
                 </a:solidFill>
               </a:rPr>
-              <a:t>    print("The string is empty")</a:t>
+              <a:t>else:</a:t>
             </a:r>
           </a:p>
           <a:p>
@@ -13518,7 +13404,46 @@
                   <a:schemeClr val="tx1"/>
                 </a:solidFill>
               </a:rPr>
-              <a:t>else:</a:t>
+              <a:t>    # code to execute if condition is false</a:t>
+            </a:r>
+          </a:p>
+          <a:p>
+            <a:pPr marL="800100" lvl="1" indent="-342900" algn="just">
+              <a:lnSpc>
+                <a:spcPct val="90000"/>
+              </a:lnSpc>
+              <a:buFont typeface="Wingdings 3" charset="2"/>
+              <a:buChar char=""/>
+            </a:pPr>
+            <a:endParaRPr lang="en-US" dirty="0">
+              <a:solidFill>
+                <a:schemeClr val="tx1"/>
+              </a:solidFill>
+            </a:endParaRPr>
+          </a:p>
+          <a:p>
+            <a:pPr marL="342900" indent="-342900" algn="just">
+              <a:lnSpc>
+                <a:spcPct val="90000"/>
+              </a:lnSpc>
+              <a:buFont typeface="Wingdings 3" charset="2"/>
+              <a:buChar char=""/>
+            </a:pPr>
+            <a:r>
+              <a:rPr lang="en-US" b="1" dirty="0">
+                <a:solidFill>
+                  <a:schemeClr val="tx1"/>
+                </a:solidFill>
+              </a:rPr>
+              <a:t>Example: </a:t>
+            </a:r>
+            <a:r>
+              <a:rPr lang="en-US" dirty="0">
+                <a:solidFill>
+                  <a:schemeClr val="tx1"/>
+                </a:solidFill>
+              </a:rPr>
+              <a:t>Check if a number is even or odd.</a:t>
             </a:r>
           </a:p>
           <a:p>
@@ -13533,7 +13458,67 @@
                   <a:schemeClr val="tx1"/>
                 </a:solidFill>
               </a:rPr>
-              <a:t>    print("The string is not empty")</a:t>
+              <a:t>num = 4</a:t>
+            </a:r>
+          </a:p>
+          <a:p>
+            <a:pPr lvl="1" algn="just">
+              <a:lnSpc>
+                <a:spcPct val="90000"/>
+              </a:lnSpc>
+            </a:pPr>
+            <a:r>
+              <a:rPr lang="en-US" dirty="0">
+                <a:solidFill>
+                  <a:schemeClr val="tx1"/>
+                </a:solidFill>
+              </a:rPr>
+              <a:t>if num % 2 == 0:</a:t>
+            </a:r>
+          </a:p>
+          <a:p>
+            <a:pPr lvl="1" algn="just">
+              <a:lnSpc>
+                <a:spcPct val="90000"/>
+              </a:lnSpc>
+            </a:pPr>
+            <a:r>
+              <a:rPr lang="en-US" dirty="0">
+                <a:solidFill>
+                  <a:schemeClr val="tx1"/>
+                </a:solidFill>
+              </a:rPr>
+              <a:t>    print("The number is even")</a:t>
+            </a:r>
+          </a:p>
+          <a:p>
+            <a:pPr lvl="1" algn="just">
+              <a:lnSpc>
+                <a:spcPct val="90000"/>
+              </a:lnSpc>
+            </a:pPr>
+            <a:r>
+              <a:rPr lang="en-US" dirty="0">
+                <a:solidFill>
+                  <a:schemeClr val="tx1"/>
+                </a:solidFill>
+              </a:rPr>
+              <a:t>else:</a:t>
+            </a:r>
+          </a:p>
+          <a:p>
+            <a:pPr lvl="1" algn="just">
+              <a:lnSpc>
+                <a:spcPct val="90000"/>
+              </a:lnSpc>
+            </a:pPr>
+            <a:r>
+              <a:rPr lang="en-US" dirty="0">
+                <a:solidFill>
+                  <a:schemeClr val="tx1"/>
+                </a:solidFill>
+              </a:rPr>
+              <a:t>    print("The number is odd")</a:t>
             </a:r>
           </a:p>
         </p:txBody>
@@ -13541,7 +13526,622 @@
     </p:spTree>
     <p:extLst>
       <p:ext uri="{BB962C8B-B14F-4D97-AF65-F5344CB8AC3E}">
-        <p14:creationId xmlns:p14="http://schemas.microsoft.com/office/powerpoint/2010/main" val="2820596123"/>
+        <p14:creationId xmlns:p14="http://schemas.microsoft.com/office/powerpoint/2010/main" val="1235070982"/>
+      </p:ext>
+    </p:extLst>
+  </p:cSld>
+  <p:clrMapOvr>
+    <a:masterClrMapping/>
+  </p:clrMapOvr>
+</p:sld>
+</file>
+
+<file path=ppt/slides/slide8.xml><?xml version="1.0" encoding="utf-8"?>
+<p:sld xmlns:a="http://schemas.openxmlformats.org/drawingml/2006/main" xmlns:r="http://schemas.openxmlformats.org/officeDocument/2006/relationships" xmlns:p="http://schemas.openxmlformats.org/presentationml/2006/main">
+  <p:cSld>
+    <p:spTree>
+      <p:nvGrpSpPr>
+        <p:cNvPr id="1" name=""/>
+        <p:cNvGrpSpPr/>
+        <p:nvPr/>
+      </p:nvGrpSpPr>
+      <p:grpSpPr>
+        <a:xfrm>
+          <a:off x="0" y="0"/>
+          <a:ext cx="0" cy="0"/>
+          <a:chOff x="0" y="0"/>
+          <a:chExt cx="0" cy="0"/>
+        </a:xfrm>
+      </p:grpSpPr>
+      <p:sp>
+        <p:nvSpPr>
+          <p:cNvPr id="2" name="Title 1">
+            <a:extLst>
+              <a:ext uri="{FF2B5EF4-FFF2-40B4-BE49-F238E27FC236}">
+                <a16:creationId xmlns:a16="http://schemas.microsoft.com/office/drawing/2014/main" id="{60D8BCA0-73B7-2564-3C47-800915862F5C}"/>
+              </a:ext>
+            </a:extLst>
+          </p:cNvPr>
+          <p:cNvSpPr>
+            <a:spLocks noGrp="1"/>
+          </p:cNvSpPr>
+          <p:nvPr>
+            <p:ph type="ctrTitle"/>
+          </p:nvPr>
+        </p:nvSpPr>
+        <p:spPr>
+          <a:xfrm>
+            <a:off x="2589213" y="0"/>
+            <a:ext cx="8915399" cy="2262781"/>
+          </a:xfrm>
+        </p:spPr>
+        <p:txBody>
+          <a:bodyPr/>
+          <a:lstStyle/>
+          <a:p>
+            <a:r>
+              <a:rPr lang="en-US" sz="4800" dirty="0"/>
+              <a:t>If-Else Statement</a:t>
+            </a:r>
+            <a:endParaRPr lang="en-US" dirty="0"/>
+          </a:p>
+        </p:txBody>
+      </p:sp>
+      <p:sp>
+        <p:nvSpPr>
+          <p:cNvPr id="4" name="Slide Number Placeholder 3">
+            <a:extLst>
+              <a:ext uri="{FF2B5EF4-FFF2-40B4-BE49-F238E27FC236}">
+                <a16:creationId xmlns:a16="http://schemas.microsoft.com/office/drawing/2014/main" id="{4DF6CDA2-7907-F303-49B4-66850F338D2C}"/>
+              </a:ext>
+            </a:extLst>
+          </p:cNvPr>
+          <p:cNvSpPr>
+            <a:spLocks noGrp="1"/>
+          </p:cNvSpPr>
+          <p:nvPr>
+            <p:ph type="sldNum" sz="quarter" idx="12"/>
+          </p:nvPr>
+        </p:nvSpPr>
+        <p:spPr/>
+        <p:txBody>
+          <a:bodyPr/>
+          <a:lstStyle/>
+          <a:p>
+            <a:fld id="{1BA2F5C7-AA4C-441B-82CF-BB169A0AFBE6}" type="slidenum">
+              <a:rPr lang="en-US" smtClean="0"/>
+              <a:t>8</a:t>
+            </a:fld>
+            <a:endParaRPr lang="en-US"/>
+          </a:p>
+        </p:txBody>
+      </p:sp>
+      <p:sp>
+        <p:nvSpPr>
+          <p:cNvPr id="5" name="Rectangle 4">
+            <a:extLst>
+              <a:ext uri="{FF2B5EF4-FFF2-40B4-BE49-F238E27FC236}">
+                <a16:creationId xmlns:a16="http://schemas.microsoft.com/office/drawing/2014/main" id="{711214A5-5904-6CF6-AB1B-9BCD448C4822}"/>
+              </a:ext>
+            </a:extLst>
+          </p:cNvPr>
+          <p:cNvSpPr/>
+          <p:nvPr/>
+        </p:nvSpPr>
+        <p:spPr>
+          <a:xfrm>
+            <a:off x="1592009" y="6314575"/>
+            <a:ext cx="1994407" cy="306093"/>
+          </a:xfrm>
+          <a:prstGeom prst="rect">
+            <a:avLst/>
+          </a:prstGeom>
+          <a:solidFill>
+            <a:schemeClr val="bg2"/>
+          </a:solidFill>
+          <a:ln>
+            <a:solidFill>
+              <a:schemeClr val="bg1">
+                <a:lumMod val="95000"/>
+              </a:schemeClr>
+            </a:solidFill>
+          </a:ln>
+        </p:spPr>
+        <p:style>
+          <a:lnRef idx="2">
+            <a:schemeClr val="accent1">
+              <a:shade val="15000"/>
+            </a:schemeClr>
+          </a:lnRef>
+          <a:fillRef idx="1">
+            <a:schemeClr val="accent1"/>
+          </a:fillRef>
+          <a:effectRef idx="0">
+            <a:schemeClr val="accent1"/>
+          </a:effectRef>
+          <a:fontRef idx="minor">
+            <a:schemeClr val="lt1"/>
+          </a:fontRef>
+        </p:style>
+        <p:txBody>
+          <a:bodyPr rtlCol="0" anchor="ctr"/>
+          <a:lstStyle/>
+          <a:p>
+            <a:pPr algn="ctr"/>
+            <a:r>
+              <a:rPr lang="en-US" sz="1200" dirty="0">
+                <a:solidFill>
+                  <a:schemeClr val="bg1">
+                    <a:lumMod val="65000"/>
+                  </a:schemeClr>
+                </a:solidFill>
+              </a:rPr>
+              <a:t>Hafsa Sultana, CSE, KU</a:t>
+            </a:r>
+          </a:p>
+        </p:txBody>
+      </p:sp>
+      <p:sp>
+        <p:nvSpPr>
+          <p:cNvPr id="8" name="Subtitle 2">
+            <a:extLst>
+              <a:ext uri="{FF2B5EF4-FFF2-40B4-BE49-F238E27FC236}">
+                <a16:creationId xmlns:a16="http://schemas.microsoft.com/office/drawing/2014/main" id="{8596A50F-19B6-E0C4-4E0F-624D03993790}"/>
+              </a:ext>
+            </a:extLst>
+          </p:cNvPr>
+          <p:cNvSpPr>
+            <a:spLocks noGrp="1"/>
+          </p:cNvSpPr>
+          <p:nvPr>
+            <p:ph type="subTitle" idx="1"/>
+          </p:nvPr>
+        </p:nvSpPr>
+        <p:spPr>
+          <a:xfrm>
+            <a:off x="2589212" y="2262782"/>
+            <a:ext cx="5119883" cy="4051794"/>
+          </a:xfrm>
+        </p:spPr>
+        <p:txBody>
+          <a:bodyPr>
+            <a:normAutofit lnSpcReduction="10000"/>
+          </a:bodyPr>
+          <a:lstStyle/>
+          <a:p>
+            <a:pPr lvl="1" algn="just">
+              <a:lnSpc>
+                <a:spcPct val="90000"/>
+              </a:lnSpc>
+            </a:pPr>
+            <a:endParaRPr lang="en-US" dirty="0">
+              <a:solidFill>
+                <a:schemeClr val="tx1"/>
+              </a:solidFill>
+            </a:endParaRPr>
+          </a:p>
+          <a:p>
+            <a:pPr marL="342900" indent="-342900" algn="just">
+              <a:lnSpc>
+                <a:spcPct val="90000"/>
+              </a:lnSpc>
+              <a:buFont typeface="Wingdings 3" charset="2"/>
+              <a:buChar char=""/>
+            </a:pPr>
+            <a:r>
+              <a:rPr lang="en-US" b="1" dirty="0">
+                <a:solidFill>
+                  <a:schemeClr val="tx1"/>
+                </a:solidFill>
+              </a:rPr>
+              <a:t>Example: </a:t>
+            </a:r>
+            <a:r>
+              <a:rPr lang="en-US" dirty="0">
+                <a:solidFill>
+                  <a:schemeClr val="tx1"/>
+                </a:solidFill>
+              </a:rPr>
+              <a:t> The variable age can take different values. If the expression "age &gt; 18" is true, the message you are eligible to vote is displayed otherwise not eligible message should be displayed.</a:t>
+            </a:r>
+          </a:p>
+          <a:p>
+            <a:pPr marL="342900" indent="-342900" algn="just">
+              <a:lnSpc>
+                <a:spcPct val="90000"/>
+              </a:lnSpc>
+              <a:buFont typeface="Wingdings 3" charset="2"/>
+              <a:buChar char=""/>
+            </a:pPr>
+            <a:r>
+              <a:rPr lang="en-US" b="1" dirty="0">
+                <a:solidFill>
+                  <a:schemeClr val="tx1"/>
+                </a:solidFill>
+              </a:rPr>
+              <a:t>Code:</a:t>
+            </a:r>
+          </a:p>
+          <a:p>
+            <a:pPr lvl="1" algn="just">
+              <a:lnSpc>
+                <a:spcPct val="90000"/>
+              </a:lnSpc>
+            </a:pPr>
+            <a:r>
+              <a:rPr lang="en-US" dirty="0">
+                <a:solidFill>
+                  <a:schemeClr val="tx1"/>
+                </a:solidFill>
+              </a:rPr>
+              <a:t>age=25</a:t>
+            </a:r>
+          </a:p>
+          <a:p>
+            <a:pPr lvl="1" algn="just">
+              <a:lnSpc>
+                <a:spcPct val="90000"/>
+              </a:lnSpc>
+            </a:pPr>
+            <a:r>
+              <a:rPr lang="en-US" dirty="0">
+                <a:solidFill>
+                  <a:schemeClr val="tx1"/>
+                </a:solidFill>
+              </a:rPr>
+              <a:t>print ("age: ", age)</a:t>
+            </a:r>
+          </a:p>
+          <a:p>
+            <a:pPr lvl="1" algn="just">
+              <a:lnSpc>
+                <a:spcPct val="90000"/>
+              </a:lnSpc>
+            </a:pPr>
+            <a:r>
+              <a:rPr lang="en-US" dirty="0">
+                <a:solidFill>
+                  <a:schemeClr val="tx1"/>
+                </a:solidFill>
+              </a:rPr>
+              <a:t>if age &gt;=18:</a:t>
+            </a:r>
+          </a:p>
+          <a:p>
+            <a:pPr lvl="1" algn="just">
+              <a:lnSpc>
+                <a:spcPct val="90000"/>
+              </a:lnSpc>
+            </a:pPr>
+            <a:r>
+              <a:rPr lang="en-US" dirty="0">
+                <a:solidFill>
+                  <a:schemeClr val="tx1"/>
+                </a:solidFill>
+              </a:rPr>
+              <a:t>   print ("eligible to vote")</a:t>
+            </a:r>
+          </a:p>
+          <a:p>
+            <a:pPr lvl="1" algn="just">
+              <a:lnSpc>
+                <a:spcPct val="90000"/>
+              </a:lnSpc>
+            </a:pPr>
+            <a:r>
+              <a:rPr lang="en-US" dirty="0">
+                <a:solidFill>
+                  <a:schemeClr val="tx1"/>
+                </a:solidFill>
+              </a:rPr>
+              <a:t>else:</a:t>
+            </a:r>
+          </a:p>
+          <a:p>
+            <a:pPr lvl="1" algn="just">
+              <a:lnSpc>
+                <a:spcPct val="90000"/>
+              </a:lnSpc>
+            </a:pPr>
+            <a:r>
+              <a:rPr lang="en-US" dirty="0">
+                <a:solidFill>
+                  <a:schemeClr val="tx1"/>
+                </a:solidFill>
+              </a:rPr>
+              <a:t>   print ("not eligible to vote")</a:t>
+            </a:r>
+          </a:p>
+        </p:txBody>
+      </p:sp>
+      <p:pic>
+        <p:nvPicPr>
+          <p:cNvPr id="6" name="Picture 5">
+            <a:extLst>
+              <a:ext uri="{FF2B5EF4-FFF2-40B4-BE49-F238E27FC236}">
+                <a16:creationId xmlns:a16="http://schemas.microsoft.com/office/drawing/2014/main" id="{3EC68B1B-6B6D-0214-ADAA-6C50F2AC60C9}"/>
+              </a:ext>
+            </a:extLst>
+          </p:cNvPr>
+          <p:cNvPicPr>
+            <a:picLocks noChangeAspect="1"/>
+          </p:cNvPicPr>
+          <p:nvPr/>
+        </p:nvPicPr>
+        <p:blipFill rotWithShape="1">
+          <a:blip r:embed="rId2">
+            <a:extLst>
+              <a:ext uri="{28A0092B-C50C-407E-A947-70E740481C1C}">
+                <a14:useLocalDpi xmlns:a14="http://schemas.microsoft.com/office/drawing/2010/main" val="0"/>
+              </a:ext>
+            </a:extLst>
+          </a:blip>
+          <a:srcRect l="35769" t="40528" r="37462" b="22233"/>
+          <a:stretch/>
+        </p:blipFill>
+        <p:spPr>
+          <a:xfrm>
+            <a:off x="7385538" y="3566870"/>
+            <a:ext cx="4119074" cy="3053798"/>
+          </a:xfrm>
+          <a:prstGeom prst="rect">
+            <a:avLst/>
+          </a:prstGeom>
+        </p:spPr>
+      </p:pic>
+    </p:spTree>
+    <p:extLst>
+      <p:ext uri="{BB962C8B-B14F-4D97-AF65-F5344CB8AC3E}">
+        <p14:creationId xmlns:p14="http://schemas.microsoft.com/office/powerpoint/2010/main" val="2719585946"/>
+      </p:ext>
+    </p:extLst>
+  </p:cSld>
+  <p:clrMapOvr>
+    <a:masterClrMapping/>
+  </p:clrMapOvr>
+</p:sld>
+</file>
+
+<file path=ppt/slides/slide9.xml><?xml version="1.0" encoding="utf-8"?>
+<p:sld xmlns:a="http://schemas.openxmlformats.org/drawingml/2006/main" xmlns:r="http://schemas.openxmlformats.org/officeDocument/2006/relationships" xmlns:p="http://schemas.openxmlformats.org/presentationml/2006/main">
+  <p:cSld>
+    <p:spTree>
+      <p:nvGrpSpPr>
+        <p:cNvPr id="1" name=""/>
+        <p:cNvGrpSpPr/>
+        <p:nvPr/>
+      </p:nvGrpSpPr>
+      <p:grpSpPr>
+        <a:xfrm>
+          <a:off x="0" y="0"/>
+          <a:ext cx="0" cy="0"/>
+          <a:chOff x="0" y="0"/>
+          <a:chExt cx="0" cy="0"/>
+        </a:xfrm>
+      </p:grpSpPr>
+      <p:sp>
+        <p:nvSpPr>
+          <p:cNvPr id="2" name="Title 1">
+            <a:extLst>
+              <a:ext uri="{FF2B5EF4-FFF2-40B4-BE49-F238E27FC236}">
+                <a16:creationId xmlns:a16="http://schemas.microsoft.com/office/drawing/2014/main" id="{60D8BCA0-73B7-2564-3C47-800915862F5C}"/>
+              </a:ext>
+            </a:extLst>
+          </p:cNvPr>
+          <p:cNvSpPr>
+            <a:spLocks noGrp="1"/>
+          </p:cNvSpPr>
+          <p:nvPr>
+            <p:ph type="ctrTitle"/>
+          </p:nvPr>
+        </p:nvSpPr>
+        <p:spPr>
+          <a:xfrm>
+            <a:off x="2589213" y="1"/>
+            <a:ext cx="8915399" cy="1899138"/>
+          </a:xfrm>
+        </p:spPr>
+        <p:txBody>
+          <a:bodyPr/>
+          <a:lstStyle/>
+          <a:p>
+            <a:r>
+              <a:rPr lang="en-US" sz="4800" dirty="0"/>
+              <a:t>Short Hand If ... Else</a:t>
+            </a:r>
+            <a:endParaRPr lang="en-US" dirty="0"/>
+          </a:p>
+        </p:txBody>
+      </p:sp>
+      <p:sp>
+        <p:nvSpPr>
+          <p:cNvPr id="4" name="Slide Number Placeholder 3">
+            <a:extLst>
+              <a:ext uri="{FF2B5EF4-FFF2-40B4-BE49-F238E27FC236}">
+                <a16:creationId xmlns:a16="http://schemas.microsoft.com/office/drawing/2014/main" id="{4DF6CDA2-7907-F303-49B4-66850F338D2C}"/>
+              </a:ext>
+            </a:extLst>
+          </p:cNvPr>
+          <p:cNvSpPr>
+            <a:spLocks noGrp="1"/>
+          </p:cNvSpPr>
+          <p:nvPr>
+            <p:ph type="sldNum" sz="quarter" idx="12"/>
+          </p:nvPr>
+        </p:nvSpPr>
+        <p:spPr/>
+        <p:txBody>
+          <a:bodyPr/>
+          <a:lstStyle/>
+          <a:p>
+            <a:fld id="{1BA2F5C7-AA4C-441B-82CF-BB169A0AFBE6}" type="slidenum">
+              <a:rPr lang="en-US" smtClean="0"/>
+              <a:t>9</a:t>
+            </a:fld>
+            <a:endParaRPr lang="en-US"/>
+          </a:p>
+        </p:txBody>
+      </p:sp>
+      <p:sp>
+        <p:nvSpPr>
+          <p:cNvPr id="5" name="Rectangle 4">
+            <a:extLst>
+              <a:ext uri="{FF2B5EF4-FFF2-40B4-BE49-F238E27FC236}">
+                <a16:creationId xmlns:a16="http://schemas.microsoft.com/office/drawing/2014/main" id="{711214A5-5904-6CF6-AB1B-9BCD448C4822}"/>
+              </a:ext>
+            </a:extLst>
+          </p:cNvPr>
+          <p:cNvSpPr/>
+          <p:nvPr/>
+        </p:nvSpPr>
+        <p:spPr>
+          <a:xfrm>
+            <a:off x="1592009" y="6314575"/>
+            <a:ext cx="1994407" cy="306093"/>
+          </a:xfrm>
+          <a:prstGeom prst="rect">
+            <a:avLst/>
+          </a:prstGeom>
+          <a:solidFill>
+            <a:schemeClr val="bg2"/>
+          </a:solidFill>
+          <a:ln>
+            <a:solidFill>
+              <a:schemeClr val="bg1">
+                <a:lumMod val="95000"/>
+              </a:schemeClr>
+            </a:solidFill>
+          </a:ln>
+        </p:spPr>
+        <p:style>
+          <a:lnRef idx="2">
+            <a:schemeClr val="accent1">
+              <a:shade val="15000"/>
+            </a:schemeClr>
+          </a:lnRef>
+          <a:fillRef idx="1">
+            <a:schemeClr val="accent1"/>
+          </a:fillRef>
+          <a:effectRef idx="0">
+            <a:schemeClr val="accent1"/>
+          </a:effectRef>
+          <a:fontRef idx="minor">
+            <a:schemeClr val="lt1"/>
+          </a:fontRef>
+        </p:style>
+        <p:txBody>
+          <a:bodyPr rtlCol="0" anchor="ctr"/>
+          <a:lstStyle/>
+          <a:p>
+            <a:pPr algn="ctr"/>
+            <a:r>
+              <a:rPr lang="en-US" sz="1200" dirty="0">
+                <a:solidFill>
+                  <a:schemeClr val="bg1">
+                    <a:lumMod val="65000"/>
+                  </a:schemeClr>
+                </a:solidFill>
+              </a:rPr>
+              <a:t>Hafsa Sultana, CSE, KU</a:t>
+            </a:r>
+          </a:p>
+        </p:txBody>
+      </p:sp>
+      <p:sp>
+        <p:nvSpPr>
+          <p:cNvPr id="8" name="Subtitle 2">
+            <a:extLst>
+              <a:ext uri="{FF2B5EF4-FFF2-40B4-BE49-F238E27FC236}">
+                <a16:creationId xmlns:a16="http://schemas.microsoft.com/office/drawing/2014/main" id="{8596A50F-19B6-E0C4-4E0F-624D03993790}"/>
+              </a:ext>
+            </a:extLst>
+          </p:cNvPr>
+          <p:cNvSpPr>
+            <a:spLocks noGrp="1"/>
+          </p:cNvSpPr>
+          <p:nvPr>
+            <p:ph type="subTitle" idx="1"/>
+          </p:nvPr>
+        </p:nvSpPr>
+        <p:spPr>
+          <a:xfrm>
+            <a:off x="2589212" y="2625968"/>
+            <a:ext cx="7211280" cy="3994699"/>
+          </a:xfrm>
+        </p:spPr>
+        <p:txBody>
+          <a:bodyPr>
+            <a:normAutofit/>
+          </a:bodyPr>
+          <a:lstStyle/>
+          <a:p>
+            <a:pPr marL="342900" indent="-342900" algn="just">
+              <a:lnSpc>
+                <a:spcPct val="90000"/>
+              </a:lnSpc>
+              <a:buFont typeface="Wingdings 3" charset="2"/>
+              <a:buChar char=""/>
+            </a:pPr>
+            <a:r>
+              <a:rPr lang="en-US" b="1" dirty="0">
+                <a:solidFill>
+                  <a:schemeClr val="tx1"/>
+                </a:solidFill>
+              </a:rPr>
+              <a:t>Example: </a:t>
+            </a:r>
+          </a:p>
+          <a:p>
+            <a:pPr lvl="1" algn="just">
+              <a:lnSpc>
+                <a:spcPct val="90000"/>
+              </a:lnSpc>
+            </a:pPr>
+            <a:r>
+              <a:rPr lang="en-US" dirty="0">
+                <a:solidFill>
+                  <a:schemeClr val="tx1"/>
+                </a:solidFill>
+              </a:rPr>
+              <a:t>a = 2</a:t>
+            </a:r>
+          </a:p>
+          <a:p>
+            <a:pPr lvl="1" algn="just">
+              <a:lnSpc>
+                <a:spcPct val="90000"/>
+              </a:lnSpc>
+            </a:pPr>
+            <a:r>
+              <a:rPr lang="en-US" dirty="0">
+                <a:solidFill>
+                  <a:schemeClr val="tx1"/>
+                </a:solidFill>
+              </a:rPr>
+              <a:t>b = 330</a:t>
+            </a:r>
+          </a:p>
+          <a:p>
+            <a:pPr lvl="1" algn="just">
+              <a:lnSpc>
+                <a:spcPct val="90000"/>
+              </a:lnSpc>
+            </a:pPr>
+            <a:r>
+              <a:rPr lang="en-US" dirty="0">
+                <a:solidFill>
+                  <a:schemeClr val="tx1"/>
+                </a:solidFill>
+              </a:rPr>
+              <a:t>print("A") if a &gt; b else print("B")</a:t>
+            </a:r>
+          </a:p>
+        </p:txBody>
+      </p:sp>
+    </p:spTree>
+    <p:extLst>
+      <p:ext uri="{BB962C8B-B14F-4D97-AF65-F5344CB8AC3E}">
+        <p14:creationId xmlns:p14="http://schemas.microsoft.com/office/powerpoint/2010/main" val="1396256671"/>
       </p:ext>
     </p:extLst>
   </p:cSld>
